--- a/M104020014周紘樟_ITR_HW2.pptx
+++ b/M104020014周紘樟_ITR_HW2.pptx
@@ -5691,47 +5691,6 @@
       </p:sp>
       <p:sp>
         <p:nvSpPr>
-          <p:cNvPr id="40" name="文本框 39">
-            <a:extLst>
-              <a:ext uri="{FF2B5EF4-FFF2-40B4-BE49-F238E27FC236}">
-                <a16:creationId xmlns:a16="http://schemas.microsoft.com/office/drawing/2014/main" id="{3785F3D7-7FCB-430F-845E-F5DB3C901202}"/>
-              </a:ext>
-            </a:extLst>
-          </p:cNvPr>
-          <p:cNvSpPr txBox="1"/>
-          <p:nvPr/>
-        </p:nvSpPr>
-        <p:spPr>
-          <a:xfrm>
-            <a:off x="9473684" y="5230565"/>
-            <a:ext cx="1592103" cy="246221"/>
-          </a:xfrm>
-          <a:prstGeom prst="rect">
-            <a:avLst/>
-          </a:prstGeom>
-          <a:noFill/>
-        </p:spPr>
-        <p:txBody>
-          <a:bodyPr wrap="none" rtlCol="0">
-            <a:spAutoFit/>
-          </a:bodyPr>
-          <a:lstStyle/>
-          <a:p>
-            <a:r>
-              <a:rPr lang="en" altLang="zh-CN" sz="1000" dirty="0">
-                <a:solidFill>
-                  <a:schemeClr val="bg1"/>
-                </a:solidFill>
-                <a:cs typeface="+mn-ea"/>
-                <a:sym typeface="+mn-lt"/>
-              </a:rPr>
-              <a:t>ENTER THE TITLE HERE</a:t>
-            </a:r>
-          </a:p>
-        </p:txBody>
-      </p:sp>
-      <p:sp>
-        <p:nvSpPr>
           <p:cNvPr id="43" name="TextBox 24">
             <a:extLst>
               <a:ext uri="{FF2B5EF4-FFF2-40B4-BE49-F238E27FC236}">
@@ -6363,7 +6322,46 @@
                 <a:cs typeface="+mn-ea"/>
                 <a:sym typeface="+mn-lt"/>
               </a:rPr>
-              <a:t>I implement ArrayList to store the data of the students. </a:t>
+              <a:t>ArrayList</a:t>
+            </a:r>
+            <a:r>
+              <a:rPr lang="zh-TW" altLang="en-US" sz="1600" noProof="1">
+                <a:solidFill>
+                  <a:schemeClr val="tx1">
+                    <a:lumMod val="75000"/>
+                    <a:lumOff val="25000"/>
+                  </a:schemeClr>
+                </a:solidFill>
+                <a:cs typeface="+mn-ea"/>
+                <a:sym typeface="+mn-lt"/>
+              </a:rPr>
+              <a:t> </a:t>
+            </a:r>
+            <a:r>
+              <a:rPr lang="en-US" altLang="zh-TW" sz="1600" noProof="1">
+                <a:solidFill>
+                  <a:schemeClr val="tx1">
+                    <a:lumMod val="75000"/>
+                    <a:lumOff val="25000"/>
+                  </a:schemeClr>
+                </a:solidFill>
+                <a:cs typeface="+mn-ea"/>
+                <a:sym typeface="+mn-lt"/>
+              </a:rPr>
+              <a:t>data structure was implemented</a:t>
+            </a:r>
+            <a:r>
+              <a:rPr lang="en-US" sz="1600" noProof="1">
+                <a:solidFill>
+                  <a:schemeClr val="tx1">
+                    <a:lumMod val="75000"/>
+                    <a:lumOff val="25000"/>
+                  </a:schemeClr>
+                </a:solidFill>
+                <a:cs typeface="+mn-ea"/>
+                <a:sym typeface="+mn-lt"/>
+              </a:rPr>
+              <a:t> to store the data of the students. </a:t>
             </a:r>
           </a:p>
           <a:p>

--- a/M104020014周紘樟_ITR_HW2.pptx
+++ b/M104020014周紘樟_ITR_HW2.pptx
@@ -212,7 +212,7 @@
           <a:p>
             <a:fld id="{E9C7C8D6-8378-491C-A88C-F5C0F1DDB3DF}" type="datetimeFigureOut">
               <a:rPr lang="zh-CN" altLang="en-US" smtClean="0"/>
-              <a:t>2022/5/21</a:t>
+              <a:t>2022/5/24</a:t>
             </a:fld>
             <a:endParaRPr lang="zh-CN" altLang="en-US"/>
           </a:p>
@@ -962,7 +962,7 @@
           <a:p>
             <a:fld id="{EE4C556E-D11A-48D7-81C0-B1B5323EC136}" type="datetimeFigureOut">
               <a:rPr lang="zh-CN" altLang="en-US" smtClean="0"/>
-              <a:t>2022/5/21</a:t>
+              <a:t>2022/5/24</a:t>
             </a:fld>
             <a:endParaRPr lang="zh-CN" altLang="en-US"/>
           </a:p>
@@ -1250,7 +1250,7 @@
           <a:p>
             <a:fld id="{EE4C556E-D11A-48D7-81C0-B1B5323EC136}" type="datetimeFigureOut">
               <a:rPr lang="zh-CN" altLang="en-US" smtClean="0"/>
-              <a:t>2022/5/21</a:t>
+              <a:t>2022/5/24</a:t>
             </a:fld>
             <a:endParaRPr lang="zh-CN" altLang="en-US"/>
           </a:p>
@@ -1448,7 +1448,7 @@
           <a:p>
             <a:fld id="{EE4C556E-D11A-48D7-81C0-B1B5323EC136}" type="datetimeFigureOut">
               <a:rPr lang="zh-CN" altLang="en-US" smtClean="0"/>
-              <a:t>2022/5/21</a:t>
+              <a:t>2022/5/24</a:t>
             </a:fld>
             <a:endParaRPr lang="zh-CN" altLang="en-US"/>
           </a:p>
@@ -1656,7 +1656,7 @@
           <a:p>
             <a:fld id="{EE4C556E-D11A-48D7-81C0-B1B5323EC136}" type="datetimeFigureOut">
               <a:rPr lang="zh-CN" altLang="en-US" smtClean="0"/>
-              <a:t>2022/5/21</a:t>
+              <a:t>2022/5/24</a:t>
             </a:fld>
             <a:endParaRPr lang="zh-CN" altLang="en-US"/>
           </a:p>
@@ -1865,7 +1865,7 @@
                 </a:solidFill>
               </a:rPr>
               <a:pPr/>
-              <a:t>2022/5/21</a:t>
+              <a:t>2022/5/24</a:t>
             </a:fld>
             <a:endParaRPr lang="zh-CN" altLang="en-US">
               <a:solidFill>
@@ -2095,7 +2095,7 @@
                 </a:solidFill>
               </a:rPr>
               <a:pPr/>
-              <a:t>2022/5/21</a:t>
+              <a:t>2022/5/24</a:t>
             </a:fld>
             <a:endParaRPr lang="zh-CN" altLang="en-US">
               <a:solidFill>
@@ -2344,7 +2344,7 @@
           <a:p>
             <a:fld id="{EE4C556E-D11A-48D7-81C0-B1B5323EC136}" type="datetimeFigureOut">
               <a:rPr lang="zh-CN" altLang="en-US" smtClean="0"/>
-              <a:t>2022/5/21</a:t>
+              <a:t>2022/5/24</a:t>
             </a:fld>
             <a:endParaRPr lang="zh-CN" altLang="en-US"/>
           </a:p>
@@ -2619,7 +2619,7 @@
           <a:p>
             <a:fld id="{EE4C556E-D11A-48D7-81C0-B1B5323EC136}" type="datetimeFigureOut">
               <a:rPr lang="zh-CN" altLang="en-US" smtClean="0"/>
-              <a:t>2022/5/21</a:t>
+              <a:t>2022/5/24</a:t>
             </a:fld>
             <a:endParaRPr lang="zh-CN" altLang="en-US"/>
           </a:p>
@@ -2884,7 +2884,7 @@
           <a:p>
             <a:fld id="{EE4C556E-D11A-48D7-81C0-B1B5323EC136}" type="datetimeFigureOut">
               <a:rPr lang="zh-CN" altLang="en-US" smtClean="0"/>
-              <a:t>2022/5/21</a:t>
+              <a:t>2022/5/24</a:t>
             </a:fld>
             <a:endParaRPr lang="zh-CN" altLang="en-US"/>
           </a:p>
@@ -3296,7 +3296,7 @@
           <a:p>
             <a:fld id="{EE4C556E-D11A-48D7-81C0-B1B5323EC136}" type="datetimeFigureOut">
               <a:rPr lang="zh-CN" altLang="en-US" smtClean="0"/>
-              <a:t>2022/5/21</a:t>
+              <a:t>2022/5/24</a:t>
             </a:fld>
             <a:endParaRPr lang="zh-CN" altLang="en-US"/>
           </a:p>
@@ -3708,7 +3708,7 @@
           <a:p>
             <a:fld id="{EE4C556E-D11A-48D7-81C0-B1B5323EC136}" type="datetimeFigureOut">
               <a:rPr lang="zh-CN" altLang="en-US" smtClean="0"/>
-              <a:t>2022/5/21</a:t>
+              <a:t>2022/5/24</a:t>
             </a:fld>
             <a:endParaRPr lang="zh-CN" altLang="en-US"/>
           </a:p>
@@ -3974,7 +3974,7 @@
           <a:p>
             <a:fld id="{EE4C556E-D11A-48D7-81C0-B1B5323EC136}" type="datetimeFigureOut">
               <a:rPr lang="zh-CN" altLang="en-US" smtClean="0"/>
-              <a:t>2022/5/21</a:t>
+              <a:t>2022/5/24</a:t>
             </a:fld>
             <a:endParaRPr lang="zh-CN" altLang="en-US"/>
           </a:p>
@@ -4087,7 +4087,7 @@
           <a:p>
             <a:fld id="{EE4C556E-D11A-48D7-81C0-B1B5323EC136}" type="datetimeFigureOut">
               <a:rPr lang="zh-CN" altLang="en-US" smtClean="0"/>
-              <a:t>2022/5/21</a:t>
+              <a:t>2022/5/24</a:t>
             </a:fld>
             <a:endParaRPr lang="zh-CN" altLang="en-US"/>
           </a:p>
@@ -4398,7 +4398,7 @@
           <a:p>
             <a:fld id="{EE4C556E-D11A-48D7-81C0-B1B5323EC136}" type="datetimeFigureOut">
               <a:rPr lang="zh-CN" altLang="en-US" smtClean="0"/>
-              <a:t>2022/5/21</a:t>
+              <a:t>2022/5/24</a:t>
             </a:fld>
             <a:endParaRPr lang="zh-CN" altLang="en-US"/>
           </a:p>
@@ -4649,7 +4649,7 @@
           <a:p>
             <a:fld id="{EE4C556E-D11A-48D7-81C0-B1B5323EC136}" type="datetimeFigureOut">
               <a:rPr lang="zh-CN" altLang="en-US" smtClean="0"/>
-              <a:t>2022/5/21</a:t>
+              <a:t>2022/5/24</a:t>
             </a:fld>
             <a:endParaRPr lang="zh-CN" altLang="en-US"/>
           </a:p>
@@ -7569,7 +7569,7 @@
         </p:nvGrpSpPr>
         <p:grpSpPr>
           <a:xfrm>
-            <a:off x="645459" y="484095"/>
+            <a:off x="645459" y="510222"/>
             <a:ext cx="537883" cy="510988"/>
             <a:chOff x="753035" y="201706"/>
             <a:chExt cx="537883" cy="510988"/>
@@ -7720,74 +7720,19 @@
       </p:pic>
       <p:sp>
         <p:nvSpPr>
-          <p:cNvPr id="11" name="矩形 10">
-            <a:extLst>
-              <a:ext uri="{FF2B5EF4-FFF2-40B4-BE49-F238E27FC236}">
-                <a16:creationId xmlns:a16="http://schemas.microsoft.com/office/drawing/2014/main" id="{2515243E-3352-4900-AC47-F2F3AA9A8A10}"/>
-              </a:ext>
-            </a:extLst>
-          </p:cNvPr>
-          <p:cNvSpPr/>
+          <p:cNvPr id="22" name="TextBox 7">
+            <a:extLst>
+              <a:ext uri="{FF2B5EF4-FFF2-40B4-BE49-F238E27FC236}">
+                <a16:creationId xmlns:a16="http://schemas.microsoft.com/office/drawing/2014/main" id="{74D5F76D-D6A8-712E-D685-D138D5F350A5}"/>
+              </a:ext>
+            </a:extLst>
+          </p:cNvPr>
+          <p:cNvSpPr txBox="1"/>
           <p:nvPr/>
         </p:nvSpPr>
         <p:spPr>
           <a:xfrm>
-            <a:off x="557350" y="1262743"/>
-            <a:ext cx="11086010" cy="5277394"/>
-          </a:xfrm>
-          <a:prstGeom prst="rect">
-            <a:avLst/>
-          </a:prstGeom>
-          <a:noFill/>
-          <a:ln w="38100">
-            <a:solidFill>
-              <a:srgbClr val="C1A36C"/>
-            </a:solidFill>
-          </a:ln>
-        </p:spPr>
-        <p:style>
-          <a:lnRef idx="2">
-            <a:schemeClr val="accent1">
-              <a:shade val="50000"/>
-            </a:schemeClr>
-          </a:lnRef>
-          <a:fillRef idx="1">
-            <a:schemeClr val="accent1"/>
-          </a:fillRef>
-          <a:effectRef idx="0">
-            <a:schemeClr val="accent1"/>
-          </a:effectRef>
-          <a:fontRef idx="minor">
-            <a:schemeClr val="lt1"/>
-          </a:fontRef>
-        </p:style>
-        <p:txBody>
-          <a:bodyPr rtlCol="0" anchor="ctr"/>
-          <a:lstStyle/>
-          <a:p>
-            <a:pPr algn="ctr"/>
-            <a:endParaRPr lang="zh-CN" altLang="en-US">
-              <a:cs typeface="+mn-ea"/>
-              <a:sym typeface="+mn-lt"/>
-            </a:endParaRPr>
-          </a:p>
-        </p:txBody>
-      </p:sp>
-      <p:sp>
-        <p:nvSpPr>
-          <p:cNvPr id="22" name="TextBox 7">
-            <a:extLst>
-              <a:ext uri="{FF2B5EF4-FFF2-40B4-BE49-F238E27FC236}">
-                <a16:creationId xmlns:a16="http://schemas.microsoft.com/office/drawing/2014/main" id="{74D5F76D-D6A8-712E-D685-D138D5F350A5}"/>
-              </a:ext>
-            </a:extLst>
-          </p:cNvPr>
-          <p:cNvSpPr txBox="1"/>
-          <p:nvPr/>
-        </p:nvSpPr>
-        <p:spPr>
-          <a:xfrm>
-            <a:off x="1317813" y="464097"/>
+            <a:off x="1317813" y="437970"/>
             <a:ext cx="3365408" cy="584775"/>
           </a:xfrm>
           <a:prstGeom prst="rect">
@@ -7841,8 +7786,8 @@
         </p:nvSpPr>
         <p:spPr>
           <a:xfrm>
-            <a:off x="683109" y="1256959"/>
-            <a:ext cx="9959787" cy="5711948"/>
+            <a:off x="683109" y="1126330"/>
+            <a:ext cx="10728961" cy="5934060"/>
           </a:xfrm>
           <a:prstGeom prst="rect">
             <a:avLst/>
@@ -7868,13 +7813,14 @@
               <a:defRPr/>
             </a:pPr>
             <a:r>
-              <a:rPr lang="en-US" sz="1600" noProof="1">
+              <a:rPr lang="en-US" sz="1500" noProof="1">
                 <a:solidFill>
                   <a:schemeClr val="tx1">
                     <a:lumMod val="75000"/>
                     <a:lumOff val="25000"/>
                   </a:schemeClr>
                 </a:solidFill>
+                <a:latin typeface="Arial Rounded MT Bold" panose="020F0704030504030204" pitchFamily="34" charset="0"/>
                 <a:cs typeface="+mn-ea"/>
                 <a:sym typeface="+mn-lt"/>
               </a:rPr>
@@ -7896,17 +7842,18 @@
               <a:defRPr/>
             </a:pPr>
             <a:r>
-              <a:rPr lang="en-US" sz="1600" noProof="1">
+              <a:rPr lang="en-US" sz="1500" noProof="1">
                 <a:solidFill>
                   <a:schemeClr val="tx1">
                     <a:lumMod val="75000"/>
                     <a:lumOff val="25000"/>
                   </a:schemeClr>
                 </a:solidFill>
+                <a:latin typeface="Arial Rounded MT Bold" panose="020F0704030504030204" pitchFamily="34" charset="0"/>
                 <a:cs typeface="+mn-ea"/>
                 <a:sym typeface="+mn-lt"/>
               </a:rPr>
-              <a:t>We separate them into two ArrayLists, one with preferences, and the other doesn’t.</a:t>
+              <a:t>We separate them into two ArrayLists, one includes preferences, and the other doesn’t.</a:t>
             </a:r>
           </a:p>
           <a:p>
@@ -7924,17 +7871,18 @@
               <a:defRPr/>
             </a:pPr>
             <a:r>
-              <a:rPr lang="en-US" sz="1600" noProof="1">
+              <a:rPr lang="en-US" sz="1500" noProof="1">
                 <a:solidFill>
                   <a:schemeClr val="tx1">
                     <a:lumMod val="75000"/>
                     <a:lumOff val="25000"/>
                   </a:schemeClr>
                 </a:solidFill>
+                <a:latin typeface="Arial Rounded MT Bold" panose="020F0704030504030204" pitchFamily="34" charset="0"/>
                 <a:cs typeface="+mn-ea"/>
                 <a:sym typeface="+mn-lt"/>
               </a:rPr>
-              <a:t>Sort two ArrayList independently, then we concatenate them together as a new ArrayList.</a:t>
+              <a:t>Sort two ArrayList by year and id independently, then we concatenate them together as a new ArrayList.</a:t>
             </a:r>
           </a:p>
           <a:p>
@@ -7952,13 +7900,14 @@
               <a:defRPr/>
             </a:pPr>
             <a:r>
-              <a:rPr lang="en-US" sz="1600" noProof="1">
+              <a:rPr lang="en-US" sz="1500" noProof="1">
                 <a:solidFill>
                   <a:schemeClr val="tx1">
                     <a:lumMod val="75000"/>
                     <a:lumOff val="25000"/>
                   </a:schemeClr>
                 </a:solidFill>
+                <a:latin typeface="Arial Rounded MT Bold" panose="020F0704030504030204" pitchFamily="34" charset="0"/>
                 <a:cs typeface="+mn-ea"/>
                 <a:sym typeface="+mn-lt"/>
               </a:rPr>
@@ -7980,13 +7929,14 @@
               <a:defRPr/>
             </a:pPr>
             <a:r>
-              <a:rPr lang="en-US" sz="1600" noProof="1">
+              <a:rPr lang="en-US" sz="1500" noProof="1">
                 <a:solidFill>
                   <a:schemeClr val="tx1">
                     <a:lumMod val="75000"/>
                     <a:lumOff val="25000"/>
                   </a:schemeClr>
                 </a:solidFill>
+                <a:latin typeface="Arial Rounded MT Bold" panose="020F0704030504030204" pitchFamily="34" charset="0"/>
                 <a:cs typeface="+mn-ea"/>
                 <a:sym typeface="+mn-lt"/>
               </a:rPr>
@@ -8008,17 +7958,18 @@
               <a:defRPr/>
             </a:pPr>
             <a:r>
-              <a:rPr lang="en-US" sz="1600" noProof="1">
+              <a:rPr lang="en-US" sz="1500" noProof="1">
                 <a:solidFill>
                   <a:schemeClr val="tx1">
                     <a:lumMod val="75000"/>
                     <a:lumOff val="25000"/>
                   </a:schemeClr>
                 </a:solidFill>
+                <a:latin typeface="Arial Rounded MT Bold" panose="020F0704030504030204" pitchFamily="34" charset="0"/>
                 <a:cs typeface="+mn-ea"/>
                 <a:sym typeface="+mn-lt"/>
               </a:rPr>
-              <a:t>If not, we check the student’s next-preferred course and reassure there is still available spot. Add if there exists otherwise continue looking.</a:t>
+              <a:t>If not, we check the student’s next-preferred course and reassure there is still available spot, and so on.</a:t>
             </a:r>
           </a:p>
           <a:p>
@@ -8036,18 +7987,73 @@
               <a:defRPr/>
             </a:pPr>
             <a:r>
-              <a:rPr lang="en-US" sz="1600" noProof="1">
+              <a:rPr lang="en-US" sz="1500" noProof="1">
                 <a:solidFill>
                   <a:schemeClr val="tx1">
                     <a:lumMod val="75000"/>
                     <a:lumOff val="25000"/>
                   </a:schemeClr>
                 </a:solidFill>
+                <a:latin typeface="Arial Rounded MT Bold" panose="020F0704030504030204" pitchFamily="34" charset="0"/>
                 <a:cs typeface="+mn-ea"/>
                 <a:sym typeface="+mn-lt"/>
               </a:rPr>
               <a:t>Repeat 5. and 6. for the rest of the students with preferences.</a:t>
             </a:r>
+          </a:p>
+          <a:p>
+            <a:pPr marL="342900" indent="-342900" defTabSz="1828800">
+              <a:lnSpc>
+                <a:spcPct val="150000"/>
+              </a:lnSpc>
+              <a:spcBef>
+                <a:spcPts val="1200"/>
+              </a:spcBef>
+              <a:buClr>
+                <a:srgbClr val="E24848"/>
+              </a:buClr>
+              <a:buAutoNum type="arabicPeriod"/>
+              <a:defRPr/>
+            </a:pPr>
+            <a:r>
+              <a:rPr lang="en-US" sz="1500" noProof="1">
+                <a:solidFill>
+                  <a:schemeClr val="tx1">
+                    <a:lumMod val="75000"/>
+                    <a:lumOff val="25000"/>
+                  </a:schemeClr>
+                </a:solidFill>
+                <a:latin typeface="Arial Rounded MT Bold" panose="020F0704030504030204" pitchFamily="34" charset="0"/>
+                <a:cs typeface="+mn-ea"/>
+                <a:sym typeface="+mn-lt"/>
+              </a:rPr>
+              <a:t>If there are students with preferneces still get no chances to pick a course, </a:t>
+            </a:r>
+            <a:r>
+              <a:rPr lang="en-US" altLang="zh-TW" sz="1500" noProof="1">
+                <a:solidFill>
+                  <a:schemeClr val="tx1">
+                    <a:lumMod val="75000"/>
+                    <a:lumOff val="25000"/>
+                  </a:schemeClr>
+                </a:solidFill>
+                <a:latin typeface="Arial Rounded MT Bold" panose="020F0704030504030204" pitchFamily="34" charset="0"/>
+                <a:cs typeface="+mn-ea"/>
+                <a:sym typeface="+mn-lt"/>
+              </a:rPr>
+              <a:t>we loop through the courses to find the rest of the spots of courses for students to add.</a:t>
+            </a:r>
+            <a:endParaRPr lang="en-US" sz="1500" noProof="1">
+              <a:solidFill>
+                <a:schemeClr val="tx1">
+                  <a:lumMod val="75000"/>
+                  <a:lumOff val="25000"/>
+                </a:schemeClr>
+              </a:solidFill>
+              <a:latin typeface="Arial Rounded MT Bold" panose="020F0704030504030204" pitchFamily="34" charset="0"/>
+              <a:cs typeface="+mn-ea"/>
+              <a:sym typeface="+mn-lt"/>
+            </a:endParaRPr>
           </a:p>
           <a:p>
             <a:pPr marL="342900" indent="-342900" defTabSz="1828800" rtl="0">
@@ -8064,17 +8070,18 @@
               <a:defRPr/>
             </a:pPr>
             <a:r>
-              <a:rPr lang="en-US" sz="1600" noProof="1">
+              <a:rPr lang="en-US" sz="1500" noProof="1">
                 <a:solidFill>
                   <a:schemeClr val="tx1">
                     <a:lumMod val="75000"/>
                     <a:lumOff val="25000"/>
                   </a:schemeClr>
                 </a:solidFill>
+                <a:latin typeface="Arial Rounded MT Bold" panose="020F0704030504030204" pitchFamily="34" charset="0"/>
                 <a:cs typeface="+mn-ea"/>
                 <a:sym typeface="+mn-lt"/>
               </a:rPr>
-              <a:t>Finally, those with no preferences, we loop through the courses to find the rest of the spots for students to add.</a:t>
+              <a:t>Finally, those with no preferences, we loop through the courses to find the rest of the spots of courses for students to add.</a:t>
             </a:r>
           </a:p>
           <a:p>
@@ -8091,13 +8098,14 @@
               <a:buAutoNum type="arabicPeriod"/>
               <a:defRPr/>
             </a:pPr>
-            <a:endParaRPr lang="en-US" sz="1600" noProof="1">
+            <a:endParaRPr lang="en-US" sz="1500" noProof="1">
               <a:solidFill>
                 <a:schemeClr val="tx1">
                   <a:lumMod val="75000"/>
                   <a:lumOff val="25000"/>
                 </a:schemeClr>
               </a:solidFill>
+              <a:latin typeface="Arial Rounded MT Bold" panose="020F0704030504030204" pitchFamily="34" charset="0"/>
               <a:cs typeface="+mn-ea"/>
               <a:sym typeface="+mn-lt"/>
             </a:endParaRPr>

--- a/M104020014周紘樟_ITR_HW2.pptx
+++ b/M104020014周紘樟_ITR_HW2.pptx
@@ -6,13 +6,14 @@
     <p:sldMasterId id="2147483661" r:id="rId2"/>
   </p:sldMasterIdLst>
   <p:notesMasterIdLst>
-    <p:notesMasterId r:id="rId7"/>
+    <p:notesMasterId r:id="rId8"/>
   </p:notesMasterIdLst>
   <p:sldIdLst>
     <p:sldId id="345" r:id="rId3"/>
     <p:sldId id="364" r:id="rId4"/>
     <p:sldId id="346" r:id="rId5"/>
     <p:sldId id="365" r:id="rId6"/>
+    <p:sldId id="366" r:id="rId7"/>
   </p:sldIdLst>
   <p:sldSz cx="12192000" cy="6858000"/>
   <p:notesSz cx="6858000" cy="9144000"/>
@@ -806,6 +807,90 @@
     <p:extLst>
       <p:ext uri="{BB962C8B-B14F-4D97-AF65-F5344CB8AC3E}">
         <p14:creationId xmlns:p14="http://schemas.microsoft.com/office/powerpoint/2010/main" val="1666851591"/>
+      </p:ext>
+    </p:extLst>
+  </p:cSld>
+  <p:clrMapOvr>
+    <a:masterClrMapping/>
+  </p:clrMapOvr>
+</p:notes>
+</file>
+
+<file path=ppt/notesSlides/notesSlide5.xml><?xml version="1.0" encoding="utf-8"?>
+<p:notes xmlns:a="http://schemas.openxmlformats.org/drawingml/2006/main" xmlns:r="http://schemas.openxmlformats.org/officeDocument/2006/relationships" xmlns:p="http://schemas.openxmlformats.org/presentationml/2006/main">
+  <p:cSld>
+    <p:spTree>
+      <p:nvGrpSpPr>
+        <p:cNvPr id="1" name=""/>
+        <p:cNvGrpSpPr/>
+        <p:nvPr/>
+      </p:nvGrpSpPr>
+      <p:grpSpPr>
+        <a:xfrm>
+          <a:off x="0" y="0"/>
+          <a:ext cx="0" cy="0"/>
+          <a:chOff x="0" y="0"/>
+          <a:chExt cx="0" cy="0"/>
+        </a:xfrm>
+      </p:grpSpPr>
+      <p:sp>
+        <p:nvSpPr>
+          <p:cNvPr id="2" name="幻灯片图像占位符 1"/>
+          <p:cNvSpPr>
+            <a:spLocks noGrp="1" noRot="1" noChangeAspect="1"/>
+          </p:cNvSpPr>
+          <p:nvPr>
+            <p:ph type="sldImg"/>
+          </p:nvPr>
+        </p:nvSpPr>
+        <p:spPr/>
+      </p:sp>
+      <p:sp>
+        <p:nvSpPr>
+          <p:cNvPr id="3" name="备注占位符 2"/>
+          <p:cNvSpPr>
+            <a:spLocks noGrp="1"/>
+          </p:cNvSpPr>
+          <p:nvPr>
+            <p:ph type="body" idx="1"/>
+          </p:nvPr>
+        </p:nvSpPr>
+        <p:spPr/>
+        <p:txBody>
+          <a:bodyPr/>
+          <a:lstStyle/>
+          <a:p>
+            <a:endParaRPr lang="zh-CN" altLang="en-US" dirty="0"/>
+          </a:p>
+        </p:txBody>
+      </p:sp>
+      <p:sp>
+        <p:nvSpPr>
+          <p:cNvPr id="4" name="灯片编号占位符 3"/>
+          <p:cNvSpPr>
+            <a:spLocks noGrp="1"/>
+          </p:cNvSpPr>
+          <p:nvPr>
+            <p:ph type="sldNum" sz="quarter" idx="5"/>
+          </p:nvPr>
+        </p:nvSpPr>
+        <p:spPr/>
+        <p:txBody>
+          <a:bodyPr/>
+          <a:lstStyle/>
+          <a:p>
+            <a:fld id="{82681912-8CC0-4B9F-BE2A-5B54BD796BF3}" type="slidenum">
+              <a:rPr lang="zh-CN" altLang="en-US" smtClean="0"/>
+              <a:t>5</a:t>
+            </a:fld>
+            <a:endParaRPr lang="zh-CN" altLang="en-US"/>
+          </a:p>
+        </p:txBody>
+      </p:sp>
+    </p:spTree>
+    <p:extLst>
+      <p:ext uri="{BB962C8B-B14F-4D97-AF65-F5344CB8AC3E}">
+        <p14:creationId xmlns:p14="http://schemas.microsoft.com/office/powerpoint/2010/main" val="1077019600"/>
       </p:ext>
     </p:extLst>
   </p:cSld>
@@ -5503,7 +5588,7 @@
         <p:spPr>
           <a:xfrm>
             <a:off x="1317813" y="464097"/>
-            <a:ext cx="5103257" cy="584775"/>
+            <a:ext cx="6263253" cy="584775"/>
           </a:xfrm>
           <a:prstGeom prst="rect">
             <a:avLst/>
@@ -5524,6 +5609,8 @@
                     <a:lumOff val="15000"/>
                   </a:schemeClr>
                 </a:solidFill>
+                <a:latin typeface="Fira Code Retina" panose="020B0809050000020004" pitchFamily="49" charset="0"/>
+                <a:ea typeface="Fira Code Retina" panose="020B0809050000020004" pitchFamily="49" charset="0"/>
                 <a:cs typeface="+mn-ea"/>
                 <a:sym typeface="+mn-lt"/>
               </a:rPr>
@@ -5537,6 +5624,7 @@
                     <a:lumOff val="15000"/>
                   </a:schemeClr>
                 </a:solidFill>
+                <a:latin typeface="Fira Code Retina" panose="020B0809050000020004" pitchFamily="49" charset="0"/>
                 <a:cs typeface="+mn-ea"/>
                 <a:sym typeface="+mn-lt"/>
               </a:rPr>
@@ -5550,6 +5638,8 @@
                     <a:lumOff val="15000"/>
                   </a:schemeClr>
                 </a:solidFill>
+                <a:latin typeface="Fira Code Retina" panose="020B0809050000020004" pitchFamily="49" charset="0"/>
+                <a:ea typeface="Fira Code Retina" panose="020B0809050000020004" pitchFamily="49" charset="0"/>
                 <a:cs typeface="+mn-ea"/>
                 <a:sym typeface="+mn-lt"/>
               </a:rPr>
@@ -5563,6 +5653,7 @@
                     <a:lumOff val="15000"/>
                   </a:schemeClr>
                 </a:solidFill>
+                <a:latin typeface="Fira Code Retina" panose="020B0809050000020004" pitchFamily="49" charset="0"/>
                 <a:cs typeface="+mn-ea"/>
                 <a:sym typeface="+mn-lt"/>
               </a:rPr>
@@ -5576,6 +5667,8 @@
                     <a:lumOff val="15000"/>
                   </a:schemeClr>
                 </a:solidFill>
+                <a:latin typeface="Fira Code Retina" panose="020B0809050000020004" pitchFamily="49" charset="0"/>
+                <a:ea typeface="Fira Code Retina" panose="020B0809050000020004" pitchFamily="49" charset="0"/>
                 <a:cs typeface="+mn-ea"/>
                 <a:sym typeface="+mn-lt"/>
               </a:rPr>
@@ -5589,6 +5682,8 @@
                     <a:lumOff val="15000"/>
                   </a:schemeClr>
                 </a:solidFill>
+                <a:latin typeface="Fira Code Retina" panose="020B0809050000020004" pitchFamily="49" charset="0"/>
+                <a:ea typeface="Fira Code Retina" panose="020B0809050000020004" pitchFamily="49" charset="0"/>
                 <a:cs typeface="+mn-ea"/>
                 <a:sym typeface="+mn-lt"/>
               </a:rPr>
@@ -5601,6 +5696,7 @@
                   <a:lumOff val="15000"/>
                 </a:schemeClr>
               </a:solidFill>
+              <a:latin typeface="Fira Code Retina" panose="020B0809050000020004" pitchFamily="49" charset="0"/>
               <a:cs typeface="+mn-ea"/>
               <a:sym typeface="+mn-lt"/>
             </a:endParaRPr>
@@ -5704,7 +5800,7 @@
         <p:spPr>
           <a:xfrm>
             <a:off x="853363" y="1324802"/>
-            <a:ext cx="5363455" cy="3785636"/>
+            <a:ext cx="5363455" cy="4524299"/>
           </a:xfrm>
           <a:prstGeom prst="rect">
             <a:avLst/>
@@ -5719,20 +5815,23 @@
           <a:p>
             <a:r>
               <a:rPr lang="en-US" altLang="zh-TW" sz="2400" dirty="0">
-                <a:latin typeface="Avenir Next LT Pro Demi" panose="020B0604020202020204" pitchFamily="34" charset="0"/>
+                <a:latin typeface="Fira Code Retina" panose="020B0809050000020004" pitchFamily="49" charset="0"/>
+                <a:ea typeface="Fira Code Retina" panose="020B0809050000020004" pitchFamily="49" charset="0"/>
               </a:rPr>
               <a:t>The goal of this assignment is to simulate how students can be assigned to courses based on some predefined conditions. </a:t>
             </a:r>
           </a:p>
           <a:p>
             <a:endParaRPr lang="en-US" altLang="zh-TW" sz="2400" dirty="0">
-              <a:latin typeface="Avenir Next LT Pro Demi" panose="020B0604020202020204" pitchFamily="34" charset="0"/>
+              <a:latin typeface="Fira Code Retina" panose="020B0809050000020004" pitchFamily="49" charset="0"/>
+              <a:ea typeface="Fira Code Retina" panose="020B0809050000020004" pitchFamily="49" charset="0"/>
             </a:endParaRPr>
           </a:p>
           <a:p>
             <a:r>
               <a:rPr lang="en-US" altLang="zh-TW" sz="2400" dirty="0">
-                <a:latin typeface="Avenir Next LT Pro Demi" panose="020B0604020202020204" pitchFamily="34" charset="0"/>
+                <a:latin typeface="Fira Code Retina" panose="020B0809050000020004" pitchFamily="49" charset="0"/>
+                <a:ea typeface="Fira Code Retina" panose="020B0809050000020004" pitchFamily="49" charset="0"/>
               </a:rPr>
               <a:t>You will need to select or design data structures and algorithms based on everything you learned in this class to provide an optimal solution. </a:t>
             </a:r>
@@ -5743,7 +5842,7 @@
                   <a:lumOff val="15000"/>
                 </a:schemeClr>
               </a:solidFill>
-              <a:latin typeface="Avenir Next LT Pro Demi" panose="020B0604020202020204" pitchFamily="34" charset="0"/>
+              <a:latin typeface="Fira Code Retina" panose="020B0809050000020004" pitchFamily="49" charset="0"/>
               <a:cs typeface="+mn-ea"/>
               <a:sym typeface="+mn-lt"/>
             </a:endParaRPr>
@@ -6040,6 +6139,21 @@
 <file path=ppt/slides/slide2.xml><?xml version="1.0" encoding="utf-8"?>
 <p:sld xmlns:a="http://schemas.openxmlformats.org/drawingml/2006/main" xmlns:r="http://schemas.openxmlformats.org/officeDocument/2006/relationships" xmlns:p="http://schemas.openxmlformats.org/presentationml/2006/main">
   <p:cSld>
+    <p:bg>
+      <p:bgPr>
+        <a:blipFill dpi="0" rotWithShape="1">
+          <a:blip r:embed="rId4">
+            <a:alphaModFix amt="50000"/>
+            <a:lum/>
+          </a:blip>
+          <a:srcRect/>
+          <a:stretch>
+            <a:fillRect/>
+          </a:stretch>
+        </a:blipFill>
+        <a:effectLst/>
+      </p:bgPr>
+    </p:bg>
     <p:spTree>
       <p:nvGrpSpPr>
         <p:cNvPr id="1" name=""/>
@@ -6202,7 +6316,7 @@
           <p:nvPr/>
         </p:nvPicPr>
         <p:blipFill>
-          <a:blip r:embed="rId3"/>
+          <a:blip r:embed="rId5"/>
           <a:stretch>
             <a:fillRect/>
           </a:stretch>
@@ -6287,7 +6401,7 @@
         <p:spPr>
           <a:xfrm>
             <a:off x="645458" y="1616232"/>
-            <a:ext cx="10693102" cy="1464632"/>
+            <a:ext cx="10693102" cy="1846659"/>
           </a:xfrm>
           <a:prstGeom prst="rect">
             <a:avLst/>
@@ -6319,6 +6433,8 @@
                     <a:lumOff val="25000"/>
                   </a:schemeClr>
                 </a:solidFill>
+                <a:latin typeface="Fira Code Retina" panose="020B0809050000020004" pitchFamily="49" charset="0"/>
+                <a:ea typeface="Fira Code Retina" panose="020B0809050000020004" pitchFamily="49" charset="0"/>
                 <a:cs typeface="+mn-ea"/>
                 <a:sym typeface="+mn-lt"/>
               </a:rPr>
@@ -6332,6 +6448,7 @@
                     <a:lumOff val="25000"/>
                   </a:schemeClr>
                 </a:solidFill>
+                <a:latin typeface="Fira Code Retina" panose="020B0809050000020004" pitchFamily="49" charset="0"/>
                 <a:cs typeface="+mn-ea"/>
                 <a:sym typeface="+mn-lt"/>
               </a:rPr>
@@ -6345,6 +6462,8 @@
                     <a:lumOff val="25000"/>
                   </a:schemeClr>
                 </a:solidFill>
+                <a:latin typeface="Fira Code Retina" panose="020B0809050000020004" pitchFamily="49" charset="0"/>
+                <a:ea typeface="Fira Code Retina" panose="020B0809050000020004" pitchFamily="49" charset="0"/>
                 <a:cs typeface="+mn-ea"/>
                 <a:sym typeface="+mn-lt"/>
               </a:rPr>
@@ -6358,6 +6477,8 @@
                     <a:lumOff val="25000"/>
                   </a:schemeClr>
                 </a:solidFill>
+                <a:latin typeface="Fira Code Retina" panose="020B0809050000020004" pitchFamily="49" charset="0"/>
+                <a:ea typeface="Fira Code Retina" panose="020B0809050000020004" pitchFamily="49" charset="0"/>
                 <a:cs typeface="+mn-ea"/>
                 <a:sym typeface="+mn-lt"/>
               </a:rPr>
@@ -6385,6 +6506,8 @@
                     <a:lumOff val="25000"/>
                   </a:schemeClr>
                 </a:solidFill>
+                <a:latin typeface="Fira Code Retina" panose="020B0809050000020004" pitchFamily="49" charset="0"/>
+                <a:ea typeface="Fira Code Retina" panose="020B0809050000020004" pitchFamily="49" charset="0"/>
                 <a:cs typeface="+mn-ea"/>
                 <a:sym typeface="+mn-lt"/>
               </a:rPr>
@@ -6412,10 +6535,42 @@
                     <a:lumOff val="25000"/>
                   </a:schemeClr>
                 </a:solidFill>
+                <a:latin typeface="Fira Code Retina" panose="020B0809050000020004" pitchFamily="49" charset="0"/>
+                <a:ea typeface="Fira Code Retina" panose="020B0809050000020004" pitchFamily="49" charset="0"/>
                 <a:cs typeface="+mn-ea"/>
                 <a:sym typeface="+mn-lt"/>
               </a:rPr>
-              <a:t>Also, the sort() method in ArrayList helps me sort easily. I just need to implement and rewrite the methods.</a:t>
+              <a:t>Also, the sort() method in Collections helps me easily, </a:t>
+            </a:r>
+            <a:r>
+              <a:rPr lang="en-US" sz="1600" noProof="1">
+                <a:solidFill>
+                  <a:schemeClr val="tx1">
+                    <a:lumMod val="75000"/>
+                    <a:lumOff val="25000"/>
+                  </a:schemeClr>
+                </a:solidFill>
+                <a:latin typeface="Fira Code Retina" panose="020B0809050000020004" pitchFamily="49" charset="0"/>
+                <a:ea typeface="Fira Code Retina" panose="020B0809050000020004" pitchFamily="49" charset="0"/>
+                <a:cs typeface="+mn-ea"/>
+                <a:sym typeface="+mn-lt"/>
+              </a:rPr>
+              <a:t>by o</a:t>
+            </a:r>
+            <a:r>
+              <a:rPr lang="en-US" sz="1600" kern="1200" noProof="1">
+                <a:solidFill>
+                  <a:schemeClr val="tx1">
+                    <a:lumMod val="75000"/>
+                    <a:lumOff val="25000"/>
+                  </a:schemeClr>
+                </a:solidFill>
+                <a:latin typeface="Fira Code Retina" panose="020B0809050000020004" pitchFamily="49" charset="0"/>
+                <a:ea typeface="Fira Code Retina" panose="020B0809050000020004" pitchFamily="49" charset="0"/>
+                <a:cs typeface="+mn-ea"/>
+                <a:sym typeface="+mn-lt"/>
+              </a:rPr>
+              <a:t>verriding compare method to help sort the students by their year and id.</a:t>
             </a:r>
           </a:p>
         </p:txBody>
@@ -6435,7 +6590,7 @@
         <p:spPr>
           <a:xfrm>
             <a:off x="1317813" y="464097"/>
-            <a:ext cx="5972276" cy="584775"/>
+            <a:ext cx="7276351" cy="584775"/>
           </a:xfrm>
           <a:prstGeom prst="rect">
             <a:avLst/>
@@ -6456,6 +6611,8 @@
                     <a:lumOff val="15000"/>
                   </a:schemeClr>
                 </a:solidFill>
+                <a:latin typeface="Fira Code Retina" panose="020B0809050000020004" pitchFamily="49" charset="0"/>
+                <a:ea typeface="Fira Code Retina" panose="020B0809050000020004" pitchFamily="49" charset="0"/>
                 <a:cs typeface="+mn-ea"/>
                 <a:sym typeface="+mn-lt"/>
               </a:rPr>
@@ -6468,6 +6625,7 @@
                   <a:lumOff val="15000"/>
                 </a:schemeClr>
               </a:solidFill>
+              <a:latin typeface="Fira Code Retina" panose="020B0809050000020004" pitchFamily="49" charset="0"/>
               <a:cs typeface="+mn-ea"/>
               <a:sym typeface="+mn-lt"/>
             </a:endParaRPr>
@@ -6489,7 +6647,7 @@
           <p:nvPr/>
         </p:nvPicPr>
         <p:blipFill>
-          <a:blip r:embed="rId4">
+          <a:blip r:embed="rId6">
             <a:extLst>
               <a:ext uri="{28A0092B-C50C-407E-A947-70E740481C1C}">
                 <a14:useLocalDpi xmlns:a14="http://schemas.microsoft.com/office/drawing/2010/main" val="0"/>
@@ -6502,7 +6660,7 @@
         </p:blipFill>
         <p:spPr>
           <a:xfrm>
-            <a:off x="1493727" y="3215822"/>
+            <a:off x="1493727" y="3572877"/>
             <a:ext cx="9204546" cy="2499542"/>
           </a:xfrm>
           <a:prstGeom prst="rect">
@@ -6518,7 +6676,7 @@
     </p:extLst>
   </p:cSld>
   <p:clrMapOvr>
-    <a:masterClrMapping/>
+    <a:overrideClrMapping bg1="lt1" tx1="dk1" bg2="lt2" tx2="dk2" accent1="accent1" accent2="accent2" accent3="accent3" accent4="accent4" accent5="accent5" accent6="accent6" hlink="hlink" folHlink="folHlink"/>
   </p:clrMapOvr>
   <mc:AlternateContent xmlns:mc="http://schemas.openxmlformats.org/markup-compatibility/2006" xmlns:p15="http://schemas.microsoft.com/office/powerpoint/2012/main">
     <mc:Choice Requires="p15">
@@ -6897,7 +7055,7 @@
         <p:spPr>
           <a:xfrm>
             <a:off x="1317813" y="464097"/>
-            <a:ext cx="5972276" cy="584775"/>
+            <a:ext cx="7276351" cy="584775"/>
           </a:xfrm>
           <a:prstGeom prst="rect">
             <a:avLst/>
@@ -6918,6 +7076,8 @@
                     <a:lumOff val="15000"/>
                   </a:schemeClr>
                 </a:solidFill>
+                <a:latin typeface="Fira Code Retina" panose="020B0809050000020004" pitchFamily="49" charset="0"/>
+                <a:ea typeface="Fira Code Retina" panose="020B0809050000020004" pitchFamily="49" charset="0"/>
                 <a:cs typeface="+mn-ea"/>
                 <a:sym typeface="+mn-lt"/>
               </a:rPr>
@@ -6930,6 +7090,7 @@
                   <a:lumOff val="15000"/>
                 </a:schemeClr>
               </a:solidFill>
+              <a:latin typeface="Fira Code Retina" panose="020B0809050000020004" pitchFamily="49" charset="0"/>
               <a:cs typeface="+mn-ea"/>
               <a:sym typeface="+mn-lt"/>
             </a:endParaRPr>
@@ -6983,10 +7144,12 @@
                     <a:lumOff val="25000"/>
                   </a:schemeClr>
                 </a:solidFill>
+                <a:latin typeface="Fira Code Retina" panose="020B0809050000020004" pitchFamily="49" charset="0"/>
+                <a:ea typeface="Fira Code Retina" panose="020B0809050000020004" pitchFamily="49" charset="0"/>
                 <a:cs typeface="+mn-ea"/>
                 <a:sym typeface="+mn-lt"/>
               </a:rPr>
-              <a:t>As for the algorithm, </a:t>
+              <a:t>As for the algorithm, which is a MergeSort.</a:t>
             </a:r>
           </a:p>
           <a:p>
@@ -7010,10 +7173,12 @@
                     <a:lumOff val="25000"/>
                   </a:schemeClr>
                 </a:solidFill>
+                <a:latin typeface="Fira Code Retina" panose="020B0809050000020004" pitchFamily="49" charset="0"/>
+                <a:ea typeface="Fira Code Retina" panose="020B0809050000020004" pitchFamily="49" charset="0"/>
                 <a:cs typeface="+mn-ea"/>
                 <a:sym typeface="+mn-lt"/>
               </a:rPr>
-              <a:t>by overriding the compare method of sort(), I can manipulate the function to compare according to the requirements.</a:t>
+              <a:t>By overriding the compare method, I can manipulate the function to compare according to the requirements.</a:t>
             </a:r>
           </a:p>
         </p:txBody>
@@ -7733,7 +7898,7 @@
         <p:spPr>
           <a:xfrm>
             <a:off x="1317813" y="437970"/>
-            <a:ext cx="3365408" cy="584775"/>
+            <a:ext cx="4490332" cy="584775"/>
           </a:xfrm>
           <a:prstGeom prst="rect">
             <a:avLst/>
@@ -7754,6 +7919,8 @@
                     <a:lumOff val="15000"/>
                   </a:schemeClr>
                 </a:solidFill>
+                <a:latin typeface="Fira Code Retina" panose="020B0809050000020004" pitchFamily="49" charset="0"/>
+                <a:ea typeface="Fira Code Retina" panose="020B0809050000020004" pitchFamily="49" charset="0"/>
                 <a:cs typeface="+mn-ea"/>
                 <a:sym typeface="+mn-lt"/>
               </a:rPr>
@@ -7766,6 +7933,7 @@
                   <a:lumOff val="15000"/>
                 </a:schemeClr>
               </a:solidFill>
+              <a:latin typeface="Fira Code Retina" panose="020B0809050000020004" pitchFamily="49" charset="0"/>
               <a:cs typeface="+mn-ea"/>
               <a:sym typeface="+mn-lt"/>
             </a:endParaRPr>
@@ -7786,8 +7954,8 @@
         </p:nvSpPr>
         <p:spPr>
           <a:xfrm>
-            <a:off x="683109" y="1126330"/>
-            <a:ext cx="10728961" cy="5934060"/>
+            <a:off x="683109" y="943448"/>
+            <a:ext cx="10728961" cy="6297878"/>
           </a:xfrm>
           <a:prstGeom prst="rect">
             <a:avLst/>
@@ -7813,14 +7981,15 @@
               <a:defRPr/>
             </a:pPr>
             <a:r>
-              <a:rPr lang="en-US" sz="1500" noProof="1">
+              <a:rPr lang="en-US" sz="1400" noProof="1">
                 <a:solidFill>
                   <a:schemeClr val="tx1">
                     <a:lumMod val="75000"/>
                     <a:lumOff val="25000"/>
                   </a:schemeClr>
                 </a:solidFill>
-                <a:latin typeface="Arial Rounded MT Bold" panose="020F0704030504030204" pitchFamily="34" charset="0"/>
+                <a:latin typeface="Fira Code Retina" panose="020B0809050000020004" pitchFamily="49" charset="0"/>
+                <a:ea typeface="Fira Code Retina" panose="020B0809050000020004" pitchFamily="49" charset="0"/>
                 <a:cs typeface="+mn-ea"/>
                 <a:sym typeface="+mn-lt"/>
               </a:rPr>
@@ -7842,14 +8011,15 @@
               <a:defRPr/>
             </a:pPr>
             <a:r>
-              <a:rPr lang="en-US" sz="1500" noProof="1">
+              <a:rPr lang="en-US" sz="1400" noProof="1">
                 <a:solidFill>
                   <a:schemeClr val="tx1">
                     <a:lumMod val="75000"/>
                     <a:lumOff val="25000"/>
                   </a:schemeClr>
                 </a:solidFill>
-                <a:latin typeface="Arial Rounded MT Bold" panose="020F0704030504030204" pitchFamily="34" charset="0"/>
+                <a:latin typeface="Fira Code Retina" panose="020B0809050000020004" pitchFamily="49" charset="0"/>
+                <a:ea typeface="Fira Code Retina" panose="020B0809050000020004" pitchFamily="49" charset="0"/>
                 <a:cs typeface="+mn-ea"/>
                 <a:sym typeface="+mn-lt"/>
               </a:rPr>
@@ -7871,14 +8041,15 @@
               <a:defRPr/>
             </a:pPr>
             <a:r>
-              <a:rPr lang="en-US" sz="1500" noProof="1">
+              <a:rPr lang="en-US" sz="1400" noProof="1">
                 <a:solidFill>
                   <a:schemeClr val="tx1">
                     <a:lumMod val="75000"/>
                     <a:lumOff val="25000"/>
                   </a:schemeClr>
                 </a:solidFill>
-                <a:latin typeface="Arial Rounded MT Bold" panose="020F0704030504030204" pitchFamily="34" charset="0"/>
+                <a:latin typeface="Fira Code Retina" panose="020B0809050000020004" pitchFamily="49" charset="0"/>
+                <a:ea typeface="Fira Code Retina" panose="020B0809050000020004" pitchFamily="49" charset="0"/>
                 <a:cs typeface="+mn-ea"/>
                 <a:sym typeface="+mn-lt"/>
               </a:rPr>
@@ -7900,18 +8071,79 @@
               <a:defRPr/>
             </a:pPr>
             <a:r>
-              <a:rPr lang="en-US" sz="1500" noProof="1">
+              <a:rPr lang="en-US" sz="1400" noProof="1">
                 <a:solidFill>
                   <a:schemeClr val="tx1">
                     <a:lumMod val="75000"/>
                     <a:lumOff val="25000"/>
                   </a:schemeClr>
                 </a:solidFill>
-                <a:latin typeface="Arial Rounded MT Bold" panose="020F0704030504030204" pitchFamily="34" charset="0"/>
+                <a:latin typeface="Fira Code Retina" panose="020B0809050000020004" pitchFamily="49" charset="0"/>
+                <a:ea typeface="Fira Code Retina" panose="020B0809050000020004" pitchFamily="49" charset="0"/>
                 <a:cs typeface="+mn-ea"/>
                 <a:sym typeface="+mn-lt"/>
               </a:rPr>
-              <a:t>Loop through the sorted ArrayList and check each students’ preferences once at a time.</a:t>
+              <a:t>Loop through the sorted ArrayList and check each students’ preference once at a time.</a:t>
+            </a:r>
+          </a:p>
+          <a:p>
+            <a:pPr marL="342900" indent="-342900" defTabSz="1828800">
+              <a:lnSpc>
+                <a:spcPct val="150000"/>
+              </a:lnSpc>
+              <a:spcBef>
+                <a:spcPts val="1200"/>
+              </a:spcBef>
+              <a:buClr>
+                <a:srgbClr val="E24848"/>
+              </a:buClr>
+              <a:buAutoNum type="arabicPeriod"/>
+              <a:defRPr/>
+            </a:pPr>
+            <a:r>
+              <a:rPr lang="en-US" sz="1400" noProof="1">
+                <a:solidFill>
+                  <a:schemeClr val="tx1">
+                    <a:lumMod val="75000"/>
+                    <a:lumOff val="25000"/>
+                  </a:schemeClr>
+                </a:solidFill>
+                <a:latin typeface="Fira Code Retina" panose="020B0809050000020004" pitchFamily="49" charset="0"/>
+                <a:ea typeface="Fira Code Retina" panose="020B0809050000020004" pitchFamily="49" charset="0"/>
+                <a:cs typeface="+mn-ea"/>
+                <a:sym typeface="+mn-lt"/>
+              </a:rPr>
+              <a:t>If the first-preferred course is available, we add that student into the course candidates.Then we record the the action which takes 1 </a:t>
+            </a:r>
+            <a:r>
+              <a:rPr lang="en-US" altLang="zh-TW" sz="1400" noProof="1">
+                <a:solidFill>
+                  <a:schemeClr val="tx1">
+                    <a:lumMod val="75000"/>
+                    <a:lumOff val="25000"/>
+                  </a:schemeClr>
+                </a:solidFill>
+                <a:latin typeface="Fira Code Retina" panose="020B0809050000020004" pitchFamily="49" charset="0"/>
+                <a:ea typeface="Fira Code Retina" panose="020B0809050000020004" pitchFamily="49" charset="0"/>
+                <a:cs typeface="+mn-ea"/>
+                <a:sym typeface="+mn-lt"/>
+              </a:rPr>
+              <a:t>candidate</a:t>
+            </a:r>
+            <a:r>
+              <a:rPr lang="en-US" sz="1400" noProof="1">
+                <a:solidFill>
+                  <a:schemeClr val="tx1">
+                    <a:lumMod val="75000"/>
+                    <a:lumOff val="25000"/>
+                  </a:schemeClr>
+                </a:solidFill>
+                <a:latin typeface="Fira Code Retina" panose="020B0809050000020004" pitchFamily="49" charset="0"/>
+                <a:ea typeface="Fira Code Retina" panose="020B0809050000020004" pitchFamily="49" charset="0"/>
+                <a:cs typeface="+mn-ea"/>
+                <a:sym typeface="+mn-lt"/>
+              </a:rPr>
+              <a:t> spot of the course.</a:t>
             </a:r>
           </a:p>
           <a:p>
@@ -7929,18 +8161,19 @@
               <a:defRPr/>
             </a:pPr>
             <a:r>
-              <a:rPr lang="en-US" sz="1500" noProof="1">
+              <a:rPr lang="en-US" sz="1400" noProof="1">
                 <a:solidFill>
                   <a:schemeClr val="tx1">
                     <a:lumMod val="75000"/>
                     <a:lumOff val="25000"/>
                   </a:schemeClr>
                 </a:solidFill>
-                <a:latin typeface="Arial Rounded MT Bold" panose="020F0704030504030204" pitchFamily="34" charset="0"/>
+                <a:latin typeface="Fira Code Retina" panose="020B0809050000020004" pitchFamily="49" charset="0"/>
+                <a:ea typeface="Fira Code Retina" panose="020B0809050000020004" pitchFamily="49" charset="0"/>
                 <a:cs typeface="+mn-ea"/>
                 <a:sym typeface="+mn-lt"/>
               </a:rPr>
-              <a:t>If the first-preferred course is available, we add that student into the course candidates.Then we record the the action which takes 1 candiate spot for the course.</a:t>
+              <a:t>If not, we check the student’s next-preferred course and reassure there is still available spots, and so on.</a:t>
             </a:r>
           </a:p>
           <a:p>
@@ -7958,19 +8191,77 @@
               <a:defRPr/>
             </a:pPr>
             <a:r>
-              <a:rPr lang="en-US" sz="1500" noProof="1">
+              <a:rPr lang="en-US" sz="1400" noProof="1">
                 <a:solidFill>
                   <a:schemeClr val="tx1">
                     <a:lumMod val="75000"/>
                     <a:lumOff val="25000"/>
                   </a:schemeClr>
                 </a:solidFill>
-                <a:latin typeface="Arial Rounded MT Bold" panose="020F0704030504030204" pitchFamily="34" charset="0"/>
+                <a:latin typeface="Fira Code Retina" panose="020B0809050000020004" pitchFamily="49" charset="0"/>
+                <a:ea typeface="Fira Code Retina" panose="020B0809050000020004" pitchFamily="49" charset="0"/>
                 <a:cs typeface="+mn-ea"/>
                 <a:sym typeface="+mn-lt"/>
               </a:rPr>
-              <a:t>If not, we check the student’s next-preferred course and reassure there is still available spot, and so on.</a:t>
-            </a:r>
+              <a:t>Repeat 5. and 6. for the rest of the students with preferences.</a:t>
+            </a:r>
+          </a:p>
+          <a:p>
+            <a:pPr marL="342900" indent="-342900" defTabSz="1828800">
+              <a:lnSpc>
+                <a:spcPct val="150000"/>
+              </a:lnSpc>
+              <a:spcBef>
+                <a:spcPts val="1200"/>
+              </a:spcBef>
+              <a:buClr>
+                <a:srgbClr val="E24848"/>
+              </a:buClr>
+              <a:buAutoNum type="arabicPeriod"/>
+              <a:defRPr/>
+            </a:pPr>
+            <a:r>
+              <a:rPr lang="en-US" sz="1400" noProof="1">
+                <a:solidFill>
+                  <a:schemeClr val="tx1">
+                    <a:lumMod val="75000"/>
+                    <a:lumOff val="25000"/>
+                  </a:schemeClr>
+                </a:solidFill>
+                <a:latin typeface="Fira Code Retina" panose="020B0809050000020004" pitchFamily="49" charset="0"/>
+                <a:ea typeface="Fira Code Retina" panose="020B0809050000020004" pitchFamily="49" charset="0"/>
+                <a:cs typeface="+mn-ea"/>
+                <a:sym typeface="+mn-lt"/>
+              </a:rPr>
+              <a:t>By the time there are students with preferneces still get no chances to pick a course, </a:t>
+            </a:r>
+            <a:r>
+              <a:rPr lang="en-US" altLang="zh-TW" sz="1400" noProof="1">
+                <a:solidFill>
+                  <a:schemeClr val="tx1">
+                    <a:lumMod val="75000"/>
+                    <a:lumOff val="25000"/>
+                  </a:schemeClr>
+                </a:solidFill>
+                <a:latin typeface="Fira Code Retina" panose="020B0809050000020004" pitchFamily="49" charset="0"/>
+                <a:ea typeface="Fira Code Retina" panose="020B0809050000020004" pitchFamily="49" charset="0"/>
+                <a:cs typeface="+mn-ea"/>
+                <a:sym typeface="+mn-lt"/>
+              </a:rPr>
+              <a:t>we loop through the courses to find the rest of the spots in courses for students to add.</a:t>
+            </a:r>
+            <a:endParaRPr lang="en-US" sz="1400" noProof="1">
+              <a:solidFill>
+                <a:schemeClr val="tx1">
+                  <a:lumMod val="75000"/>
+                  <a:lumOff val="25000"/>
+                </a:schemeClr>
+              </a:solidFill>
+              <a:latin typeface="Fira Code Retina" panose="020B0809050000020004" pitchFamily="49" charset="0"/>
+              <a:ea typeface="Fira Code Retina" panose="020B0809050000020004" pitchFamily="49" charset="0"/>
+              <a:cs typeface="+mn-ea"/>
+              <a:sym typeface="+mn-lt"/>
+            </a:endParaRPr>
           </a:p>
           <a:p>
             <a:pPr marL="342900" indent="-342900" defTabSz="1828800" rtl="0">
@@ -7987,73 +8278,20 @@
               <a:defRPr/>
             </a:pPr>
             <a:r>
-              <a:rPr lang="en-US" sz="1500" noProof="1">
+              <a:rPr lang="en-US" sz="1400" noProof="1">
                 <a:solidFill>
                   <a:schemeClr val="tx1">
                     <a:lumMod val="75000"/>
                     <a:lumOff val="25000"/>
                   </a:schemeClr>
                 </a:solidFill>
-                <a:latin typeface="Arial Rounded MT Bold" panose="020F0704030504030204" pitchFamily="34" charset="0"/>
+                <a:latin typeface="Fira Code Retina" panose="020B0809050000020004" pitchFamily="49" charset="0"/>
+                <a:ea typeface="Fira Code Retina" panose="020B0809050000020004" pitchFamily="49" charset="0"/>
                 <a:cs typeface="+mn-ea"/>
                 <a:sym typeface="+mn-lt"/>
               </a:rPr>
-              <a:t>Repeat 5. and 6. for the rest of the students with preferences.</a:t>
-            </a:r>
-          </a:p>
-          <a:p>
-            <a:pPr marL="342900" indent="-342900" defTabSz="1828800">
-              <a:lnSpc>
-                <a:spcPct val="150000"/>
-              </a:lnSpc>
-              <a:spcBef>
-                <a:spcPts val="1200"/>
-              </a:spcBef>
-              <a:buClr>
-                <a:srgbClr val="E24848"/>
-              </a:buClr>
-              <a:buAutoNum type="arabicPeriod"/>
-              <a:defRPr/>
-            </a:pPr>
-            <a:r>
-              <a:rPr lang="en-US" sz="1500" noProof="1">
-                <a:solidFill>
-                  <a:schemeClr val="tx1">
-                    <a:lumMod val="75000"/>
-                    <a:lumOff val="25000"/>
-                  </a:schemeClr>
-                </a:solidFill>
-                <a:latin typeface="Arial Rounded MT Bold" panose="020F0704030504030204" pitchFamily="34" charset="0"/>
-                <a:cs typeface="+mn-ea"/>
-                <a:sym typeface="+mn-lt"/>
-              </a:rPr>
-              <a:t>If there are students with preferneces still get no chances to pick a course, </a:t>
-            </a:r>
-            <a:r>
-              <a:rPr lang="en-US" altLang="zh-TW" sz="1500" noProof="1">
-                <a:solidFill>
-                  <a:schemeClr val="tx1">
-                    <a:lumMod val="75000"/>
-                    <a:lumOff val="25000"/>
-                  </a:schemeClr>
-                </a:solidFill>
-                <a:latin typeface="Arial Rounded MT Bold" panose="020F0704030504030204" pitchFamily="34" charset="0"/>
-                <a:cs typeface="+mn-ea"/>
-                <a:sym typeface="+mn-lt"/>
-              </a:rPr>
-              <a:t>we loop through the courses to find the rest of the spots of courses for students to add.</a:t>
-            </a:r>
-            <a:endParaRPr lang="en-US" sz="1500" noProof="1">
-              <a:solidFill>
-                <a:schemeClr val="tx1">
-                  <a:lumMod val="75000"/>
-                  <a:lumOff val="25000"/>
-                </a:schemeClr>
-              </a:solidFill>
-              <a:latin typeface="Arial Rounded MT Bold" panose="020F0704030504030204" pitchFamily="34" charset="0"/>
-              <a:cs typeface="+mn-ea"/>
-              <a:sym typeface="+mn-lt"/>
-            </a:endParaRPr>
+              <a:t>Finally, those with no preferences, we loop through the courses to find the rest of the spots in courses for students to add.</a:t>
+            </a:r>
           </a:p>
           <a:p>
             <a:pPr marL="342900" indent="-342900" defTabSz="1828800" rtl="0">
@@ -8069,43 +8307,15 @@
               <a:buAutoNum type="arabicPeriod"/>
               <a:defRPr/>
             </a:pPr>
-            <a:r>
-              <a:rPr lang="en-US" sz="1500" noProof="1">
-                <a:solidFill>
-                  <a:schemeClr val="tx1">
-                    <a:lumMod val="75000"/>
-                    <a:lumOff val="25000"/>
-                  </a:schemeClr>
-                </a:solidFill>
-                <a:latin typeface="Arial Rounded MT Bold" panose="020F0704030504030204" pitchFamily="34" charset="0"/>
-                <a:cs typeface="+mn-ea"/>
-                <a:sym typeface="+mn-lt"/>
-              </a:rPr>
-              <a:t>Finally, those with no preferences, we loop through the courses to find the rest of the spots of courses for students to add.</a:t>
-            </a:r>
-          </a:p>
-          <a:p>
-            <a:pPr marL="342900" indent="-342900" defTabSz="1828800" rtl="0">
-              <a:lnSpc>
-                <a:spcPct val="150000"/>
-              </a:lnSpc>
-              <a:spcBef>
-                <a:spcPts val="1200"/>
-              </a:spcBef>
-              <a:buClr>
-                <a:srgbClr val="E24848"/>
-              </a:buClr>
-              <a:buAutoNum type="arabicPeriod"/>
-              <a:defRPr/>
-            </a:pPr>
-            <a:endParaRPr lang="en-US" sz="1500" noProof="1">
+            <a:endParaRPr lang="en-US" sz="1400" noProof="1">
               <a:solidFill>
                 <a:schemeClr val="tx1">
                   <a:lumMod val="75000"/>
                   <a:lumOff val="25000"/>
                 </a:schemeClr>
               </a:solidFill>
-              <a:latin typeface="Arial Rounded MT Bold" panose="020F0704030504030204" pitchFamily="34" charset="0"/>
+              <a:latin typeface="Fira Code Retina" panose="020B0809050000020004" pitchFamily="49" charset="0"/>
+              <a:ea typeface="Fira Code Retina" panose="020B0809050000020004" pitchFamily="49" charset="0"/>
               <a:cs typeface="+mn-ea"/>
               <a:sym typeface="+mn-lt"/>
             </a:endParaRPr>
@@ -8116,6 +8326,1122 @@
     <p:extLst>
       <p:ext uri="{BB962C8B-B14F-4D97-AF65-F5344CB8AC3E}">
         <p14:creationId xmlns:p14="http://schemas.microsoft.com/office/powerpoint/2010/main" val="347340234"/>
+      </p:ext>
+    </p:extLst>
+  </p:cSld>
+  <p:clrMapOvr>
+    <a:masterClrMapping/>
+  </p:clrMapOvr>
+  <mc:AlternateContent xmlns:mc="http://schemas.openxmlformats.org/markup-compatibility/2006" xmlns:p15="http://schemas.microsoft.com/office/powerpoint/2012/main">
+    <mc:Choice Requires="p15">
+      <p:transition xmlns:p14="http://schemas.microsoft.com/office/powerpoint/2010/main" spd="slow" p14:dur="2000" advTm="0">
+        <p15:prstTrans prst="drape"/>
+      </p:transition>
+    </mc:Choice>
+    <mc:Fallback xmlns="">
+      <p:transition spd="slow" advTm="0">
+        <p:fade/>
+      </p:transition>
+    </mc:Fallback>
+  </mc:AlternateContent>
+  <p:timing>
+    <p:tnLst>
+      <p:par>
+        <p:cTn id="1" dur="indefinite" restart="never" nodeType="tmRoot">
+          <p:childTnLst>
+            <p:seq concurrent="1" nextAc="seek">
+              <p:cTn id="2" dur="indefinite" nodeType="mainSeq">
+                <p:childTnLst>
+                  <p:par>
+                    <p:cTn id="3" fill="hold">
+                      <p:stCondLst>
+                        <p:cond delay="indefinite"/>
+                        <p:cond evt="onBegin" delay="0">
+                          <p:tn val="2"/>
+                        </p:cond>
+                      </p:stCondLst>
+                      <p:childTnLst>
+                        <p:par>
+                          <p:cTn id="4" fill="hold">
+                            <p:stCondLst>
+                              <p:cond delay="0"/>
+                            </p:stCondLst>
+                            <p:childTnLst>
+                              <p:par>
+                                <p:cTn id="5" presetID="12" presetClass="entr" presetSubtype="4" fill="hold" grpId="0" nodeType="afterEffect">
+                                  <p:stCondLst>
+                                    <p:cond delay="0"/>
+                                  </p:stCondLst>
+                                  <p:childTnLst>
+                                    <p:set>
+                                      <p:cBhvr>
+                                        <p:cTn id="6" dur="1" fill="hold">
+                                          <p:stCondLst>
+                                            <p:cond delay="0"/>
+                                          </p:stCondLst>
+                                        </p:cTn>
+                                        <p:tgtEl>
+                                          <p:spTgt spid="25"/>
+                                        </p:tgtEl>
+                                        <p:attrNameLst>
+                                          <p:attrName>style.visibility</p:attrName>
+                                        </p:attrNameLst>
+                                      </p:cBhvr>
+                                      <p:to>
+                                        <p:strVal val="visible"/>
+                                      </p:to>
+                                    </p:set>
+                                    <p:anim calcmode="lin" valueType="num">
+                                      <p:cBhvr additive="base">
+                                        <p:cTn id="7" dur="500"/>
+                                        <p:tgtEl>
+                                          <p:spTgt spid="25"/>
+                                        </p:tgtEl>
+                                        <p:attrNameLst>
+                                          <p:attrName>ppt_y</p:attrName>
+                                        </p:attrNameLst>
+                                      </p:cBhvr>
+                                      <p:tavLst>
+                                        <p:tav tm="0">
+                                          <p:val>
+                                            <p:strVal val="#ppt_y+#ppt_h*1.125000"/>
+                                          </p:val>
+                                        </p:tav>
+                                        <p:tav tm="100000">
+                                          <p:val>
+                                            <p:strVal val="#ppt_y"/>
+                                          </p:val>
+                                        </p:tav>
+                                      </p:tavLst>
+                                    </p:anim>
+                                    <p:animEffect transition="in" filter="wipe(up)">
+                                      <p:cBhvr>
+                                        <p:cTn id="8" dur="500"/>
+                                        <p:tgtEl>
+                                          <p:spTgt spid="25"/>
+                                        </p:tgtEl>
+                                      </p:cBhvr>
+                                    </p:animEffect>
+                                  </p:childTnLst>
+                                </p:cTn>
+                              </p:par>
+                            </p:childTnLst>
+                          </p:cTn>
+                        </p:par>
+                      </p:childTnLst>
+                    </p:cTn>
+                  </p:par>
+                </p:childTnLst>
+              </p:cTn>
+              <p:prevCondLst>
+                <p:cond evt="onPrev" delay="0">
+                  <p:tgtEl>
+                    <p:sldTgt/>
+                  </p:tgtEl>
+                </p:cond>
+              </p:prevCondLst>
+              <p:nextCondLst>
+                <p:cond evt="onNext" delay="0">
+                  <p:tgtEl>
+                    <p:sldTgt/>
+                  </p:tgtEl>
+                </p:cond>
+              </p:nextCondLst>
+            </p:seq>
+          </p:childTnLst>
+        </p:cTn>
+      </p:par>
+    </p:tnLst>
+    <p:bldLst>
+      <p:bldP spid="25" grpId="0"/>
+    </p:bldLst>
+  </p:timing>
+</p:sld>
+</file>
+
+<file path=ppt/slides/slide5.xml><?xml version="1.0" encoding="utf-8"?>
+<p:sld xmlns:a="http://schemas.openxmlformats.org/drawingml/2006/main" xmlns:r="http://schemas.openxmlformats.org/officeDocument/2006/relationships" xmlns:p="http://schemas.openxmlformats.org/presentationml/2006/main">
+  <p:cSld>
+    <p:spTree>
+      <p:nvGrpSpPr>
+        <p:cNvPr id="1" name=""/>
+        <p:cNvGrpSpPr/>
+        <p:nvPr/>
+      </p:nvGrpSpPr>
+      <p:grpSpPr>
+        <a:xfrm>
+          <a:off x="0" y="0"/>
+          <a:ext cx="0" cy="0"/>
+          <a:chOff x="0" y="0"/>
+          <a:chExt cx="0" cy="0"/>
+        </a:xfrm>
+      </p:grpSpPr>
+      <p:grpSp>
+        <p:nvGrpSpPr>
+          <p:cNvPr id="5" name="组合 4">
+            <a:extLst>
+              <a:ext uri="{FF2B5EF4-FFF2-40B4-BE49-F238E27FC236}">
+                <a16:creationId xmlns:a16="http://schemas.microsoft.com/office/drawing/2014/main" id="{F0ADAAAB-33B7-4A68-9F2D-D3E7AEECD688}"/>
+              </a:ext>
+            </a:extLst>
+          </p:cNvPr>
+          <p:cNvGrpSpPr/>
+          <p:nvPr/>
+        </p:nvGrpSpPr>
+        <p:grpSpPr>
+          <a:xfrm>
+            <a:off x="645459" y="510222"/>
+            <a:ext cx="537883" cy="510988"/>
+            <a:chOff x="753035" y="201706"/>
+            <a:chExt cx="537883" cy="510988"/>
+          </a:xfrm>
+        </p:grpSpPr>
+        <p:sp>
+          <p:nvSpPr>
+            <p:cNvPr id="3" name="矩形: 圆角 2">
+              <a:extLst>
+                <a:ext uri="{FF2B5EF4-FFF2-40B4-BE49-F238E27FC236}">
+                  <a16:creationId xmlns:a16="http://schemas.microsoft.com/office/drawing/2014/main" id="{3A21832E-16EB-4C94-AB88-EEB7C5015D9D}"/>
+                </a:ext>
+              </a:extLst>
+            </p:cNvPr>
+            <p:cNvSpPr/>
+            <p:nvPr/>
+          </p:nvSpPr>
+          <p:spPr>
+            <a:xfrm>
+              <a:off x="887506" y="309282"/>
+              <a:ext cx="403412" cy="403412"/>
+            </a:xfrm>
+            <a:prstGeom prst="roundRect">
+              <a:avLst/>
+            </a:prstGeom>
+            <a:solidFill>
+              <a:schemeClr val="bg1">
+                <a:lumMod val="95000"/>
+              </a:schemeClr>
+            </a:solidFill>
+            <a:ln>
+              <a:noFill/>
+            </a:ln>
+          </p:spPr>
+          <p:style>
+            <a:lnRef idx="2">
+              <a:schemeClr val="accent1">
+                <a:shade val="50000"/>
+              </a:schemeClr>
+            </a:lnRef>
+            <a:fillRef idx="1">
+              <a:schemeClr val="accent1"/>
+            </a:fillRef>
+            <a:effectRef idx="0">
+              <a:schemeClr val="accent1"/>
+            </a:effectRef>
+            <a:fontRef idx="minor">
+              <a:schemeClr val="lt1"/>
+            </a:fontRef>
+          </p:style>
+          <p:txBody>
+            <a:bodyPr rtlCol="0" anchor="ctr"/>
+            <a:lstStyle/>
+            <a:p>
+              <a:pPr algn="ctr"/>
+              <a:endParaRPr lang="zh-CN" altLang="en-US">
+                <a:cs typeface="+mn-ea"/>
+                <a:sym typeface="+mn-lt"/>
+              </a:endParaRPr>
+            </a:p>
+          </p:txBody>
+        </p:sp>
+        <p:sp>
+          <p:nvSpPr>
+            <p:cNvPr id="31" name="矩形: 圆角 30">
+              <a:extLst>
+                <a:ext uri="{FF2B5EF4-FFF2-40B4-BE49-F238E27FC236}">
+                  <a16:creationId xmlns:a16="http://schemas.microsoft.com/office/drawing/2014/main" id="{0E86C01F-DD96-49C0-BF99-A96C9B6A7070}"/>
+                </a:ext>
+              </a:extLst>
+            </p:cNvPr>
+            <p:cNvSpPr/>
+            <p:nvPr/>
+          </p:nvSpPr>
+          <p:spPr>
+            <a:xfrm>
+              <a:off x="753035" y="201706"/>
+              <a:ext cx="403412" cy="403412"/>
+            </a:xfrm>
+            <a:prstGeom prst="roundRect">
+              <a:avLst/>
+            </a:prstGeom>
+            <a:noFill/>
+            <a:ln w="38100">
+              <a:solidFill>
+                <a:srgbClr val="C1A36C"/>
+              </a:solidFill>
+            </a:ln>
+          </p:spPr>
+          <p:style>
+            <a:lnRef idx="2">
+              <a:schemeClr val="accent1">
+                <a:shade val="50000"/>
+              </a:schemeClr>
+            </a:lnRef>
+            <a:fillRef idx="1">
+              <a:schemeClr val="accent1"/>
+            </a:fillRef>
+            <a:effectRef idx="0">
+              <a:schemeClr val="accent1"/>
+            </a:effectRef>
+            <a:fontRef idx="minor">
+              <a:schemeClr val="lt1"/>
+            </a:fontRef>
+          </p:style>
+          <p:txBody>
+            <a:bodyPr rtlCol="0" anchor="ctr"/>
+            <a:lstStyle/>
+            <a:p>
+              <a:pPr algn="ctr"/>
+              <a:endParaRPr lang="zh-CN" altLang="en-US">
+                <a:cs typeface="+mn-ea"/>
+                <a:sym typeface="+mn-lt"/>
+              </a:endParaRPr>
+            </a:p>
+          </p:txBody>
+        </p:sp>
+      </p:grpSp>
+      <p:sp>
+        <p:nvSpPr>
+          <p:cNvPr id="22" name="TextBox 7">
+            <a:extLst>
+              <a:ext uri="{FF2B5EF4-FFF2-40B4-BE49-F238E27FC236}">
+                <a16:creationId xmlns:a16="http://schemas.microsoft.com/office/drawing/2014/main" id="{74D5F76D-D6A8-712E-D685-D138D5F350A5}"/>
+              </a:ext>
+            </a:extLst>
+          </p:cNvPr>
+          <p:cNvSpPr txBox="1"/>
+          <p:nvPr/>
+        </p:nvSpPr>
+        <p:spPr>
+          <a:xfrm>
+            <a:off x="1317813" y="437970"/>
+            <a:ext cx="8795998" cy="584775"/>
+          </a:xfrm>
+          <a:prstGeom prst="rect">
+            <a:avLst/>
+          </a:prstGeom>
+          <a:noFill/>
+        </p:spPr>
+        <p:txBody>
+          <a:bodyPr wrap="none" rtlCol="0">
+            <a:spAutoFit/>
+          </a:bodyPr>
+          <a:lstStyle/>
+          <a:p>
+            <a:r>
+              <a:rPr lang="en-US" altLang="zh-TW" sz="3200" dirty="0">
+                <a:solidFill>
+                  <a:schemeClr val="tx1">
+                    <a:lumMod val="85000"/>
+                    <a:lumOff val="15000"/>
+                  </a:schemeClr>
+                </a:solidFill>
+                <a:latin typeface="Fira Code Retina" panose="020B0809050000020004" pitchFamily="49" charset="0"/>
+                <a:ea typeface="Fira Code Retina" panose="020B0809050000020004" pitchFamily="49" charset="0"/>
+                <a:cs typeface="+mn-ea"/>
+                <a:sym typeface="+mn-lt"/>
+              </a:rPr>
+              <a:t>Time and Space Complexity Analysis</a:t>
+            </a:r>
+            <a:endParaRPr lang="zh-CN" altLang="en-US" sz="3200" dirty="0">
+              <a:solidFill>
+                <a:schemeClr val="tx1">
+                  <a:lumMod val="85000"/>
+                  <a:lumOff val="15000"/>
+                </a:schemeClr>
+              </a:solidFill>
+              <a:latin typeface="Fira Code Retina" panose="020B0809050000020004" pitchFamily="49" charset="0"/>
+              <a:cs typeface="+mn-ea"/>
+              <a:sym typeface="+mn-lt"/>
+            </a:endParaRPr>
+          </a:p>
+        </p:txBody>
+      </p:sp>
+      <mc:AlternateContent xmlns:mc="http://schemas.openxmlformats.org/markup-compatibility/2006">
+        <mc:Choice xmlns:a14="http://schemas.microsoft.com/office/drawing/2010/main" Requires="a14">
+          <p:sp>
+            <p:nvSpPr>
+              <p:cNvPr id="25" name="Rectangle 66">
+                <a:extLst>
+                  <a:ext uri="{FF2B5EF4-FFF2-40B4-BE49-F238E27FC236}">
+                    <a16:creationId xmlns:a16="http://schemas.microsoft.com/office/drawing/2014/main" id="{92930129-D4E5-C3F3-A4BA-3E43929B8100}"/>
+                  </a:ext>
+                </a:extLst>
+              </p:cNvPr>
+              <p:cNvSpPr/>
+              <p:nvPr/>
+            </p:nvSpPr>
+            <p:spPr>
+              <a:xfrm>
+                <a:off x="683109" y="1126330"/>
+                <a:ext cx="11003794" cy="5079532"/>
+              </a:xfrm>
+              <a:prstGeom prst="rect">
+                <a:avLst/>
+              </a:prstGeom>
+            </p:spPr>
+            <p:txBody>
+              <a:bodyPr wrap="square">
+                <a:spAutoFit/>
+              </a:bodyPr>
+              <a:lstStyle/>
+              <a:p>
+                <a:pPr defTabSz="1828800" rtl="0">
+                  <a:lnSpc>
+                    <a:spcPct val="150000"/>
+                  </a:lnSpc>
+                  <a:spcBef>
+                    <a:spcPts val="1200"/>
+                  </a:spcBef>
+                  <a:buClr>
+                    <a:srgbClr val="E24848"/>
+                  </a:buClr>
+                  <a:defRPr/>
+                </a:pPr>
+                <a:r>
+                  <a:rPr lang="en-US" sz="2000" noProof="1">
+                    <a:solidFill>
+                      <a:schemeClr val="tx1">
+                        <a:lumMod val="75000"/>
+                        <a:lumOff val="25000"/>
+                      </a:schemeClr>
+                    </a:solidFill>
+                    <a:latin typeface="Fira Code Retina" panose="020B0809050000020004" pitchFamily="49" charset="0"/>
+                    <a:ea typeface="Fira Code Retina" panose="020B0809050000020004" pitchFamily="49" charset="0"/>
+                    <a:cs typeface="+mn-ea"/>
+                    <a:sym typeface="+mn-lt"/>
+                  </a:rPr>
+                  <a:t>Time Complexity for the code</a:t>
+                </a:r>
+              </a:p>
+              <a:p>
+                <a:pPr defTabSz="1828800">
+                  <a:lnSpc>
+                    <a:spcPct val="150000"/>
+                  </a:lnSpc>
+                  <a:spcBef>
+                    <a:spcPts val="1200"/>
+                  </a:spcBef>
+                  <a:buClr>
+                    <a:srgbClr val="E24848"/>
+                  </a:buClr>
+                  <a:defRPr/>
+                </a:pPr>
+                <a:r>
+                  <a:rPr lang="en-US" sz="1400" noProof="1">
+                    <a:solidFill>
+                      <a:schemeClr val="tx1">
+                        <a:lumMod val="75000"/>
+                        <a:lumOff val="25000"/>
+                      </a:schemeClr>
+                    </a:solidFill>
+                    <a:latin typeface="Fira Code Retina" panose="020B0809050000020004" pitchFamily="49" charset="0"/>
+                    <a:ea typeface="Fira Code Retina" panose="020B0809050000020004" pitchFamily="49" charset="0"/>
+                    <a:cs typeface="+mn-ea"/>
+                    <a:sym typeface="+mn-lt"/>
+                  </a:rPr>
+                  <a:t>Collections.sort() for sorting the students by their year and id : </a:t>
+                </a:r>
+              </a:p>
+              <a:p>
+                <a:pPr defTabSz="1828800">
+                  <a:lnSpc>
+                    <a:spcPct val="150000"/>
+                  </a:lnSpc>
+                  <a:spcBef>
+                    <a:spcPts val="1200"/>
+                  </a:spcBef>
+                  <a:buClr>
+                    <a:srgbClr val="E24848"/>
+                  </a:buClr>
+                  <a:defRPr/>
+                </a:pPr>
+                <a:r>
+                  <a:rPr lang="en-US" sz="1400" b="1" noProof="1">
+                    <a:solidFill>
+                      <a:schemeClr val="tx1">
+                        <a:lumMod val="75000"/>
+                        <a:lumOff val="25000"/>
+                      </a:schemeClr>
+                    </a:solidFill>
+                    <a:latin typeface="Fira Code Retina" panose="020B0809050000020004" pitchFamily="49" charset="0"/>
+                    <a:ea typeface="Fira Code Retina" panose="020B0809050000020004" pitchFamily="49" charset="0"/>
+                    <a:cs typeface="+mn-ea"/>
+                    <a:sym typeface="+mn-lt"/>
+                  </a:rPr>
+                  <a:t>	</a:t>
+                </a:r>
+                <a14:m>
+                  <m:oMath xmlns:m="http://schemas.openxmlformats.org/officeDocument/2006/math">
+                    <m:r>
+                      <a:rPr lang="en-US" sz="1400" b="1" i="0" noProof="1" smtClean="0">
+                        <a:solidFill>
+                          <a:schemeClr val="tx1">
+                            <a:lumMod val="75000"/>
+                            <a:lumOff val="25000"/>
+                          </a:schemeClr>
+                        </a:solidFill>
+                        <a:latin typeface="Cambria Math" panose="02040503050406030204" pitchFamily="18" charset="0"/>
+                        <a:cs typeface="+mn-ea"/>
+                        <a:sym typeface="+mn-lt"/>
+                      </a:rPr>
+                      <m:t>𝐎</m:t>
+                    </m:r>
+                    <m:d>
+                      <m:dPr>
+                        <m:ctrlPr>
+                          <a:rPr lang="en-US" sz="1400" b="1" i="1" noProof="1" smtClean="0">
+                            <a:solidFill>
+                              <a:schemeClr val="tx1">
+                                <a:lumMod val="75000"/>
+                                <a:lumOff val="25000"/>
+                              </a:schemeClr>
+                            </a:solidFill>
+                            <a:latin typeface="Cambria Math" panose="02040503050406030204" pitchFamily="18" charset="0"/>
+                            <a:cs typeface="+mn-ea"/>
+                            <a:sym typeface="+mn-lt"/>
+                          </a:rPr>
+                        </m:ctrlPr>
+                      </m:dPr>
+                      <m:e>
+                        <m:r>
+                          <a:rPr lang="en-US" sz="1400" b="1" i="1" noProof="1" smtClean="0">
+                            <a:solidFill>
+                              <a:schemeClr val="tx1">
+                                <a:lumMod val="75000"/>
+                                <a:lumOff val="25000"/>
+                              </a:schemeClr>
+                            </a:solidFill>
+                            <a:latin typeface="Cambria Math" panose="02040503050406030204" pitchFamily="18" charset="0"/>
+                            <a:cs typeface="+mn-ea"/>
+                            <a:sym typeface="+mn-lt"/>
+                          </a:rPr>
+                          <m:t>𝒏𝒍𝒐𝒈𝒏</m:t>
+                        </m:r>
+                      </m:e>
+                    </m:d>
+                  </m:oMath>
+                </a14:m>
+                <a:r>
+                  <a:rPr lang="en-US" altLang="zh-TW" sz="1400" b="1" noProof="1">
+                    <a:solidFill>
+                      <a:schemeClr val="tx1">
+                        <a:lumMod val="75000"/>
+                        <a:lumOff val="25000"/>
+                      </a:schemeClr>
+                    </a:solidFill>
+                    <a:latin typeface="Fira Code Retina" panose="020B0809050000020004" pitchFamily="49" charset="0"/>
+                    <a:ea typeface="Fira Code Retina" panose="020B0809050000020004" pitchFamily="49" charset="0"/>
+                    <a:cs typeface="+mn-ea"/>
+                    <a:sym typeface="+mn-lt"/>
+                  </a:rPr>
+                  <a:t>, where n is the size of the students</a:t>
+                </a:r>
+              </a:p>
+              <a:p>
+                <a:pPr defTabSz="1828800">
+                  <a:lnSpc>
+                    <a:spcPct val="150000"/>
+                  </a:lnSpc>
+                  <a:spcBef>
+                    <a:spcPts val="1200"/>
+                  </a:spcBef>
+                  <a:buClr>
+                    <a:srgbClr val="E24848"/>
+                  </a:buClr>
+                  <a:defRPr/>
+                </a:pPr>
+                <a:r>
+                  <a:rPr lang="en-US" altLang="zh-TW" sz="1100" i="1" dirty="0">
+                    <a:solidFill>
+                      <a:schemeClr val="tx1">
+                        <a:lumMod val="75000"/>
+                        <a:lumOff val="25000"/>
+                      </a:schemeClr>
+                    </a:solidFill>
+                    <a:latin typeface="PMingLiU" panose="02020500000000000000" pitchFamily="18" charset="-120"/>
+                    <a:ea typeface="PMingLiU" panose="02020500000000000000" pitchFamily="18" charset="-120"/>
+                    <a:cs typeface="+mn-ea"/>
+                  </a:rPr>
+                  <a:t>※ </a:t>
+                </a:r>
+                <a:r>
+                  <a:rPr lang="en-US" altLang="zh-TW" sz="1100" i="1" dirty="0">
+                    <a:solidFill>
+                      <a:schemeClr val="tx1">
+                        <a:lumMod val="75000"/>
+                        <a:lumOff val="25000"/>
+                      </a:schemeClr>
+                    </a:solidFill>
+                    <a:latin typeface="Fira Code Retina" panose="020B0809050000020004" pitchFamily="49" charset="0"/>
+                    <a:ea typeface="Fira Code Retina" panose="020B0809050000020004" pitchFamily="49" charset="0"/>
+                    <a:cs typeface="+mn-ea"/>
+                  </a:rPr>
+                  <a:t>The sorting algorithm is a modified </a:t>
+                </a:r>
+                <a:r>
+                  <a:rPr lang="en-US" altLang="zh-TW" sz="1100" i="1" dirty="0" err="1">
+                    <a:solidFill>
+                      <a:schemeClr val="tx1">
+                        <a:lumMod val="75000"/>
+                        <a:lumOff val="25000"/>
+                      </a:schemeClr>
+                    </a:solidFill>
+                    <a:latin typeface="Fira Code Retina" panose="020B0809050000020004" pitchFamily="49" charset="0"/>
+                    <a:ea typeface="Fira Code Retina" panose="020B0809050000020004" pitchFamily="49" charset="0"/>
+                    <a:cs typeface="+mn-ea"/>
+                  </a:rPr>
+                  <a:t>mergesort</a:t>
+                </a:r>
+                <a:r>
+                  <a:rPr lang="en-US" altLang="zh-TW" sz="1100" i="1" dirty="0">
+                    <a:solidFill>
+                      <a:schemeClr val="tx1">
+                        <a:lumMod val="75000"/>
+                        <a:lumOff val="25000"/>
+                      </a:schemeClr>
+                    </a:solidFill>
+                    <a:latin typeface="Fira Code Retina" panose="020B0809050000020004" pitchFamily="49" charset="0"/>
+                    <a:ea typeface="Fira Code Retina" panose="020B0809050000020004" pitchFamily="49" charset="0"/>
+                    <a:cs typeface="+mn-ea"/>
+                  </a:rPr>
+                  <a:t> (in which the merge is omitted if the highest element in the low </a:t>
+                </a:r>
+                <a:r>
+                  <a:rPr lang="en-US" altLang="zh-TW" sz="1100" i="1" dirty="0" err="1">
+                    <a:solidFill>
+                      <a:schemeClr val="tx1">
+                        <a:lumMod val="75000"/>
+                        <a:lumOff val="25000"/>
+                      </a:schemeClr>
+                    </a:solidFill>
+                    <a:latin typeface="Fira Code Retina" panose="020B0809050000020004" pitchFamily="49" charset="0"/>
+                    <a:ea typeface="Fira Code Retina" panose="020B0809050000020004" pitchFamily="49" charset="0"/>
+                    <a:cs typeface="+mn-ea"/>
+                  </a:rPr>
+                  <a:t>sublist</a:t>
+                </a:r>
+                <a:r>
+                  <a:rPr lang="en-US" altLang="zh-TW" sz="1100" i="1" dirty="0">
+                    <a:solidFill>
+                      <a:schemeClr val="tx1">
+                        <a:lumMod val="75000"/>
+                        <a:lumOff val="25000"/>
+                      </a:schemeClr>
+                    </a:solidFill>
+                    <a:latin typeface="Fira Code Retina" panose="020B0809050000020004" pitchFamily="49" charset="0"/>
+                    <a:ea typeface="Fira Code Retina" panose="020B0809050000020004" pitchFamily="49" charset="0"/>
+                    <a:cs typeface="+mn-ea"/>
+                  </a:rPr>
+                  <a:t> is less than the lowest element in the high </a:t>
+                </a:r>
+                <a:r>
+                  <a:rPr lang="en-US" altLang="zh-TW" sz="1100" i="1" dirty="0" err="1">
+                    <a:solidFill>
+                      <a:schemeClr val="tx1">
+                        <a:lumMod val="75000"/>
+                        <a:lumOff val="25000"/>
+                      </a:schemeClr>
+                    </a:solidFill>
+                    <a:latin typeface="Fira Code Retina" panose="020B0809050000020004" pitchFamily="49" charset="0"/>
+                    <a:ea typeface="Fira Code Retina" panose="020B0809050000020004" pitchFamily="49" charset="0"/>
+                    <a:cs typeface="+mn-ea"/>
+                  </a:rPr>
+                  <a:t>sublist</a:t>
+                </a:r>
+                <a:r>
+                  <a:rPr lang="en-US" altLang="zh-TW" sz="1100" i="1" dirty="0">
+                    <a:solidFill>
+                      <a:schemeClr val="tx1">
+                        <a:lumMod val="75000"/>
+                        <a:lumOff val="25000"/>
+                      </a:schemeClr>
+                    </a:solidFill>
+                    <a:latin typeface="Fira Code Retina" panose="020B0809050000020004" pitchFamily="49" charset="0"/>
+                    <a:ea typeface="Fira Code Retina" panose="020B0809050000020004" pitchFamily="49" charset="0"/>
+                    <a:cs typeface="+mn-ea"/>
+                  </a:rPr>
+                  <a:t>). </a:t>
+                </a:r>
+              </a:p>
+              <a:p>
+                <a:pPr defTabSz="1828800">
+                  <a:lnSpc>
+                    <a:spcPct val="150000"/>
+                  </a:lnSpc>
+                  <a:spcBef>
+                    <a:spcPts val="1200"/>
+                  </a:spcBef>
+                  <a:buClr>
+                    <a:srgbClr val="E24848"/>
+                  </a:buClr>
+                  <a:defRPr/>
+                </a:pPr>
+                <a:r>
+                  <a:rPr lang="en-US" altLang="zh-TW" sz="1100" i="1" dirty="0">
+                    <a:solidFill>
+                      <a:schemeClr val="tx1">
+                        <a:lumMod val="75000"/>
+                        <a:lumOff val="25000"/>
+                      </a:schemeClr>
+                    </a:solidFill>
+                    <a:latin typeface="Fira Code Retina" panose="020B0809050000020004" pitchFamily="49" charset="0"/>
+                    <a:ea typeface="Fira Code Retina" panose="020B0809050000020004" pitchFamily="49" charset="0"/>
+                    <a:cs typeface="+mn-ea"/>
+                  </a:rPr>
+                  <a:t>This algorithm offers guaranteed n log(n) performance.  </a:t>
+                </a:r>
+                <a:r>
+                  <a:rPr lang="en-US" altLang="zh-TW" sz="1100" dirty="0">
+                    <a:solidFill>
+                      <a:schemeClr val="tx1">
+                        <a:lumMod val="75000"/>
+                        <a:lumOff val="25000"/>
+                      </a:schemeClr>
+                    </a:solidFill>
+                    <a:latin typeface="Fira Code Retina" panose="020B0809050000020004" pitchFamily="49" charset="0"/>
+                    <a:ea typeface="Fira Code Retina" panose="020B0809050000020004" pitchFamily="49" charset="0"/>
+                    <a:cs typeface="Arial Unicode MS" panose="020B0604020202020204" pitchFamily="34" charset="-120"/>
+                  </a:rPr>
+                  <a:t>– Java Documentation</a:t>
+                </a:r>
+                <a:endParaRPr lang="en-US" sz="1100" noProof="1">
+                  <a:solidFill>
+                    <a:schemeClr val="tx1">
+                      <a:lumMod val="75000"/>
+                      <a:lumOff val="25000"/>
+                    </a:schemeClr>
+                  </a:solidFill>
+                  <a:latin typeface="Fira Code Retina" panose="020B0809050000020004" pitchFamily="49" charset="0"/>
+                  <a:ea typeface="Fira Code Retina" panose="020B0809050000020004" pitchFamily="49" charset="0"/>
+                  <a:cs typeface="Arial Unicode MS" panose="020B0604020202020204" pitchFamily="34" charset="-120"/>
+                  <a:sym typeface="+mn-lt"/>
+                </a:endParaRPr>
+              </a:p>
+              <a:p>
+                <a:pPr defTabSz="1828800" rtl="0">
+                  <a:lnSpc>
+                    <a:spcPct val="150000"/>
+                  </a:lnSpc>
+                  <a:spcBef>
+                    <a:spcPts val="1200"/>
+                  </a:spcBef>
+                  <a:buClr>
+                    <a:srgbClr val="E24848"/>
+                  </a:buClr>
+                  <a:defRPr/>
+                </a:pPr>
+                <a:r>
+                  <a:rPr lang="en-US" sz="1400" noProof="1">
+                    <a:solidFill>
+                      <a:schemeClr val="tx1">
+                        <a:lumMod val="75000"/>
+                        <a:lumOff val="25000"/>
+                      </a:schemeClr>
+                    </a:solidFill>
+                    <a:latin typeface="Fira Code Retina" panose="020B0809050000020004" pitchFamily="49" charset="0"/>
+                    <a:ea typeface="Fira Code Retina" panose="020B0809050000020004" pitchFamily="49" charset="0"/>
+                    <a:cs typeface="+mn-ea"/>
+                    <a:sym typeface="+mn-lt"/>
+                  </a:rPr>
+                  <a:t>Preference simulation process due to nested for loop : </a:t>
+                </a:r>
+                <a:endParaRPr lang="en-US" sz="1400" b="1" i="1" noProof="1">
+                  <a:solidFill>
+                    <a:schemeClr val="tx1">
+                      <a:lumMod val="75000"/>
+                      <a:lumOff val="25000"/>
+                    </a:schemeClr>
+                  </a:solidFill>
+                  <a:latin typeface="Fira Code Retina" panose="020B0809050000020004" pitchFamily="49" charset="0"/>
+                  <a:ea typeface="Fira Code Retina" panose="020B0809050000020004" pitchFamily="49" charset="0"/>
+                  <a:cs typeface="+mn-ea"/>
+                  <a:sym typeface="+mn-lt"/>
+                </a:endParaRPr>
+              </a:p>
+              <a:p>
+                <a:pPr defTabSz="1828800" rtl="0">
+                  <a:lnSpc>
+                    <a:spcPct val="150000"/>
+                  </a:lnSpc>
+                  <a:spcBef>
+                    <a:spcPts val="1200"/>
+                  </a:spcBef>
+                  <a:buClr>
+                    <a:srgbClr val="E24848"/>
+                  </a:buClr>
+                  <a:defRPr/>
+                </a:pPr>
+                <a:r>
+                  <a:rPr lang="en-US" sz="1400" b="1" noProof="1">
+                    <a:solidFill>
+                      <a:schemeClr val="tx1">
+                        <a:lumMod val="75000"/>
+                        <a:lumOff val="25000"/>
+                      </a:schemeClr>
+                    </a:solidFill>
+                    <a:ea typeface="Fira Code Retina" panose="020B0809050000020004" pitchFamily="49" charset="0"/>
+                    <a:cs typeface="+mn-ea"/>
+                    <a:sym typeface="+mn-lt"/>
+                  </a:rPr>
+                  <a:t>	</a:t>
+                </a:r>
+                <a14:m>
+                  <m:oMath xmlns:m="http://schemas.openxmlformats.org/officeDocument/2006/math">
+                    <m:r>
+                      <a:rPr lang="en-US" sz="1400" b="1" i="1" noProof="1">
+                        <a:solidFill>
+                          <a:schemeClr val="tx1">
+                            <a:lumMod val="75000"/>
+                            <a:lumOff val="25000"/>
+                          </a:schemeClr>
+                        </a:solidFill>
+                        <a:latin typeface="Fira Code Retina" panose="020B0809050000020004" pitchFamily="49" charset="0"/>
+                        <a:ea typeface="Fira Code Retina" panose="020B0809050000020004" pitchFamily="49" charset="0"/>
+                        <a:cs typeface="+mn-ea"/>
+                        <a:sym typeface="+mn-lt"/>
+                      </a:rPr>
+                      <m:t>𝐎</m:t>
+                    </m:r>
+                    <m:r>
+                      <a:rPr lang="en-US" sz="1400" b="1" noProof="1">
+                        <a:solidFill>
+                          <a:schemeClr val="tx1">
+                            <a:lumMod val="75000"/>
+                            <a:lumOff val="25000"/>
+                          </a:schemeClr>
+                        </a:solidFill>
+                        <a:latin typeface="Fira Code Retina" panose="020B0809050000020004" pitchFamily="49" charset="0"/>
+                        <a:ea typeface="Fira Code Retina" panose="020B0809050000020004" pitchFamily="49" charset="0"/>
+                        <a:cs typeface="+mn-ea"/>
+                        <a:sym typeface="+mn-lt"/>
+                      </a:rPr>
+                      <m:t>(</m:t>
+                    </m:r>
+                    <m:sSup>
+                      <m:sSupPr>
+                        <m:ctrlPr>
+                          <a:rPr lang="en-US" altLang="zh-TW" sz="1400" b="1" noProof="1">
+                            <a:solidFill>
+                              <a:schemeClr val="tx1">
+                                <a:lumMod val="75000"/>
+                                <a:lumOff val="25000"/>
+                              </a:schemeClr>
+                            </a:solidFill>
+                            <a:latin typeface="Fira Code Retina" panose="020B0809050000020004" pitchFamily="49" charset="0"/>
+                            <a:ea typeface="Fira Code Retina" panose="020B0809050000020004" pitchFamily="49" charset="0"/>
+                            <a:cs typeface="+mn-ea"/>
+                            <a:sym typeface="+mn-lt"/>
+                          </a:rPr>
+                        </m:ctrlPr>
+                      </m:sSupPr>
+                      <m:e>
+                        <m:r>
+                          <a:rPr lang="en-US" altLang="zh-TW" sz="1400" b="1" i="1" noProof="1">
+                            <a:solidFill>
+                              <a:schemeClr val="tx1">
+                                <a:lumMod val="75000"/>
+                                <a:lumOff val="25000"/>
+                              </a:schemeClr>
+                            </a:solidFill>
+                            <a:latin typeface="Fira Code Retina" panose="020B0809050000020004" pitchFamily="49" charset="0"/>
+                            <a:ea typeface="Fira Code Retina" panose="020B0809050000020004" pitchFamily="49" charset="0"/>
+                            <a:cs typeface="+mn-ea"/>
+                            <a:sym typeface="+mn-lt"/>
+                          </a:rPr>
+                          <m:t>𝐧</m:t>
+                        </m:r>
+                      </m:e>
+                      <m:sup>
+                        <m:r>
+                          <a:rPr lang="en-US" altLang="zh-TW" sz="1400" b="1" i="1" noProof="1">
+                            <a:solidFill>
+                              <a:schemeClr val="tx1">
+                                <a:lumMod val="75000"/>
+                                <a:lumOff val="25000"/>
+                              </a:schemeClr>
+                            </a:solidFill>
+                            <a:latin typeface="Fira Code Retina" panose="020B0809050000020004" pitchFamily="49" charset="0"/>
+                            <a:ea typeface="Fira Code Retina" panose="020B0809050000020004" pitchFamily="49" charset="0"/>
+                            <a:cs typeface="+mn-ea"/>
+                            <a:sym typeface="+mn-lt"/>
+                          </a:rPr>
+                          <m:t>𝟐</m:t>
+                        </m:r>
+                      </m:sup>
+                    </m:sSup>
+                    <m:r>
+                      <a:rPr lang="en-US" sz="1400" b="1" noProof="1">
+                        <a:solidFill>
+                          <a:schemeClr val="tx1">
+                            <a:lumMod val="75000"/>
+                            <a:lumOff val="25000"/>
+                          </a:schemeClr>
+                        </a:solidFill>
+                        <a:latin typeface="Fira Code Retina" panose="020B0809050000020004" pitchFamily="49" charset="0"/>
+                        <a:ea typeface="Fira Code Retina" panose="020B0809050000020004" pitchFamily="49" charset="0"/>
+                        <a:cs typeface="+mn-ea"/>
+                        <a:sym typeface="+mn-lt"/>
+                      </a:rPr>
+                      <m:t>)</m:t>
+                    </m:r>
+                  </m:oMath>
+                </a14:m>
+                <a:r>
+                  <a:rPr lang="en-US" sz="1400" b="1" noProof="1">
+                    <a:solidFill>
+                      <a:schemeClr val="tx1">
+                        <a:lumMod val="75000"/>
+                        <a:lumOff val="25000"/>
+                      </a:schemeClr>
+                    </a:solidFill>
+                    <a:latin typeface="Fira Code Retina" panose="020B0809050000020004" pitchFamily="49" charset="0"/>
+                    <a:ea typeface="Fira Code Retina" panose="020B0809050000020004" pitchFamily="49" charset="0"/>
+                    <a:cs typeface="+mn-ea"/>
+                    <a:sym typeface="+mn-lt"/>
+                  </a:rPr>
+                  <a:t>, where n is the size of the students</a:t>
+                </a:r>
+                <a:endParaRPr lang="en-US" altLang="zh-TW" sz="2000" noProof="1">
+                  <a:solidFill>
+                    <a:schemeClr val="tx1">
+                      <a:lumMod val="75000"/>
+                      <a:lumOff val="25000"/>
+                    </a:schemeClr>
+                  </a:solidFill>
+                  <a:latin typeface="Fira Code Retina" panose="020B0809050000020004" pitchFamily="49" charset="0"/>
+                  <a:ea typeface="Fira Code Retina" panose="020B0809050000020004" pitchFamily="49" charset="0"/>
+                  <a:cs typeface="+mn-ea"/>
+                  <a:sym typeface="+mn-lt"/>
+                </a:endParaRPr>
+              </a:p>
+              <a:p>
+                <a:pPr defTabSz="1828800">
+                  <a:lnSpc>
+                    <a:spcPct val="150000"/>
+                  </a:lnSpc>
+                  <a:spcBef>
+                    <a:spcPts val="1200"/>
+                  </a:spcBef>
+                  <a:buClr>
+                    <a:srgbClr val="E24848"/>
+                  </a:buClr>
+                  <a:defRPr/>
+                </a:pPr>
+                <a:r>
+                  <a:rPr lang="en-US" altLang="zh-TW" sz="2000" noProof="1">
+                    <a:solidFill>
+                      <a:schemeClr val="tx1">
+                        <a:lumMod val="75000"/>
+                        <a:lumOff val="25000"/>
+                      </a:schemeClr>
+                    </a:solidFill>
+                    <a:latin typeface="Fira Code Retina" panose="020B0809050000020004" pitchFamily="49" charset="0"/>
+                    <a:ea typeface="Fira Code Retina" panose="020B0809050000020004" pitchFamily="49" charset="0"/>
+                    <a:cs typeface="+mn-ea"/>
+                    <a:sym typeface="+mn-lt"/>
+                  </a:rPr>
+                  <a:t>Time Complexity for the code </a:t>
+                </a:r>
+              </a:p>
+              <a:p>
+                <a:pPr defTabSz="1828800">
+                  <a:lnSpc>
+                    <a:spcPct val="150000"/>
+                  </a:lnSpc>
+                  <a:spcBef>
+                    <a:spcPts val="1200"/>
+                  </a:spcBef>
+                  <a:buClr>
+                    <a:srgbClr val="E24848"/>
+                  </a:buClr>
+                  <a:defRPr/>
+                </a:pPr>
+                <a:r>
+                  <a:rPr lang="en-US" altLang="zh-TW" sz="1400" noProof="1">
+                    <a:solidFill>
+                      <a:schemeClr val="tx1">
+                        <a:lumMod val="75000"/>
+                        <a:lumOff val="25000"/>
+                      </a:schemeClr>
+                    </a:solidFill>
+                    <a:latin typeface="Fira Code Retina" panose="020B0809050000020004" pitchFamily="49" charset="0"/>
+                    <a:ea typeface="Fira Code Retina" panose="020B0809050000020004" pitchFamily="49" charset="0"/>
+                    <a:cs typeface="+mn-ea"/>
+                    <a:sym typeface="+mn-lt"/>
+                  </a:rPr>
+                  <a:t>ArrayLists to store students’ year and id : </a:t>
+                </a:r>
+              </a:p>
+              <a:p>
+                <a:pPr defTabSz="1828800">
+                  <a:lnSpc>
+                    <a:spcPct val="150000"/>
+                  </a:lnSpc>
+                  <a:spcBef>
+                    <a:spcPts val="1200"/>
+                  </a:spcBef>
+                  <a:buClr>
+                    <a:srgbClr val="E24848"/>
+                  </a:buClr>
+                  <a:defRPr/>
+                </a:pPr>
+                <a:r>
+                  <a:rPr lang="en-US" altLang="zh-TW" sz="1400" b="1" noProof="1">
+                    <a:solidFill>
+                      <a:schemeClr val="tx1">
+                        <a:lumMod val="75000"/>
+                        <a:lumOff val="25000"/>
+                      </a:schemeClr>
+                    </a:solidFill>
+                    <a:latin typeface="Fira Code Retina" panose="020B0809050000020004" pitchFamily="49" charset="0"/>
+                    <a:ea typeface="Fira Code Retina" panose="020B0809050000020004" pitchFamily="49" charset="0"/>
+                    <a:cs typeface="+mn-ea"/>
+                    <a:sym typeface="+mn-lt"/>
+                  </a:rPr>
+                  <a:t>	</a:t>
+                </a:r>
+                <a14:m>
+                  <m:oMath xmlns:m="http://schemas.openxmlformats.org/officeDocument/2006/math">
+                    <m:r>
+                      <a:rPr lang="en-US" altLang="zh-TW" sz="1400" b="1" i="0" noProof="1">
+                        <a:solidFill>
+                          <a:schemeClr val="tx1">
+                            <a:lumMod val="75000"/>
+                            <a:lumOff val="25000"/>
+                          </a:schemeClr>
+                        </a:solidFill>
+                        <a:latin typeface="Fira Code Retina" panose="020B0809050000020004" pitchFamily="49" charset="0"/>
+                        <a:ea typeface="Fira Code Retina" panose="020B0809050000020004" pitchFamily="49" charset="0"/>
+                        <a:cs typeface="+mn-ea"/>
+                        <a:sym typeface="+mn-lt"/>
+                      </a:rPr>
+                      <m:t>𝐎</m:t>
+                    </m:r>
+                    <m:r>
+                      <a:rPr lang="en-US" altLang="zh-TW" sz="1400" b="1" i="0" noProof="1">
+                        <a:solidFill>
+                          <a:schemeClr val="tx1">
+                            <a:lumMod val="75000"/>
+                            <a:lumOff val="25000"/>
+                          </a:schemeClr>
+                        </a:solidFill>
+                        <a:latin typeface="Fira Code Retina" panose="020B0809050000020004" pitchFamily="49" charset="0"/>
+                        <a:ea typeface="Fira Code Retina" panose="020B0809050000020004" pitchFamily="49" charset="0"/>
+                        <a:cs typeface="+mn-ea"/>
+                        <a:sym typeface="+mn-lt"/>
+                      </a:rPr>
+                      <m:t>(</m:t>
+                    </m:r>
+                    <m:r>
+                      <a:rPr lang="en-US" altLang="zh-TW" sz="1400" b="1" i="0" noProof="1">
+                        <a:solidFill>
+                          <a:schemeClr val="tx1">
+                            <a:lumMod val="75000"/>
+                            <a:lumOff val="25000"/>
+                          </a:schemeClr>
+                        </a:solidFill>
+                        <a:latin typeface="Fira Code Retina" panose="020B0809050000020004" pitchFamily="49" charset="0"/>
+                        <a:ea typeface="Fira Code Retina" panose="020B0809050000020004" pitchFamily="49" charset="0"/>
+                        <a:cs typeface="+mn-ea"/>
+                        <a:sym typeface="+mn-lt"/>
+                      </a:rPr>
+                      <m:t>𝐧</m:t>
+                    </m:r>
+                    <m:r>
+                      <a:rPr lang="en-US" altLang="zh-TW" sz="1400" b="1" i="0" noProof="1">
+                        <a:solidFill>
+                          <a:schemeClr val="tx1">
+                            <a:lumMod val="75000"/>
+                            <a:lumOff val="25000"/>
+                          </a:schemeClr>
+                        </a:solidFill>
+                        <a:latin typeface="Fira Code Retina" panose="020B0809050000020004" pitchFamily="49" charset="0"/>
+                        <a:ea typeface="Fira Code Retina" panose="020B0809050000020004" pitchFamily="49" charset="0"/>
+                        <a:cs typeface="+mn-ea"/>
+                        <a:sym typeface="+mn-lt"/>
+                      </a:rPr>
+                      <m:t>)</m:t>
+                    </m:r>
+                  </m:oMath>
+                </a14:m>
+                <a:r>
+                  <a:rPr lang="en-US" altLang="zh-TW" sz="1400" b="1" noProof="1">
+                    <a:solidFill>
+                      <a:schemeClr val="tx1">
+                        <a:lumMod val="75000"/>
+                        <a:lumOff val="25000"/>
+                      </a:schemeClr>
+                    </a:solidFill>
+                    <a:latin typeface="Fira Code Retina" panose="020B0809050000020004" pitchFamily="49" charset="0"/>
+                    <a:ea typeface="Fira Code Retina" panose="020B0809050000020004" pitchFamily="49" charset="0"/>
+                    <a:cs typeface="+mn-ea"/>
+                    <a:sym typeface="+mn-lt"/>
+                  </a:rPr>
+                  <a:t>, where n is the size of the students</a:t>
+                </a:r>
+              </a:p>
+            </p:txBody>
+          </p:sp>
+        </mc:Choice>
+        <mc:Fallback>
+          <p:sp>
+            <p:nvSpPr>
+              <p:cNvPr id="25" name="Rectangle 66">
+                <a:extLst>
+                  <a:ext uri="{FF2B5EF4-FFF2-40B4-BE49-F238E27FC236}">
+                    <a16:creationId xmlns:a16="http://schemas.microsoft.com/office/drawing/2014/main" id="{92930129-D4E5-C3F3-A4BA-3E43929B8100}"/>
+                  </a:ext>
+                </a:extLst>
+              </p:cNvPr>
+              <p:cNvSpPr>
+                <a:spLocks noRot="1" noChangeAspect="1" noMove="1" noResize="1" noEditPoints="1" noAdjustHandles="1" noChangeArrowheads="1" noChangeShapeType="1" noTextEdit="1"/>
+              </p:cNvSpPr>
+              <p:nvPr/>
+            </p:nvSpPr>
+            <p:spPr>
+              <a:xfrm>
+                <a:off x="683109" y="1126330"/>
+                <a:ext cx="11003794" cy="5079532"/>
+              </a:xfrm>
+              <a:prstGeom prst="rect">
+                <a:avLst/>
+              </a:prstGeom>
+              <a:blipFill>
+                <a:blip r:embed="rId3"/>
+                <a:stretch>
+                  <a:fillRect l="-554" b="-360"/>
+                </a:stretch>
+              </a:blipFill>
+            </p:spPr>
+            <p:txBody>
+              <a:bodyPr/>
+              <a:lstStyle/>
+              <a:p>
+                <a:r>
+                  <a:rPr lang="zh-TW" altLang="en-US">
+                    <a:noFill/>
+                  </a:rPr>
+                  <a:t> </a:t>
+                </a:r>
+              </a:p>
+            </p:txBody>
+          </p:sp>
+        </mc:Fallback>
+      </mc:AlternateContent>
+    </p:spTree>
+    <p:extLst>
+      <p:ext uri="{BB962C8B-B14F-4D97-AF65-F5344CB8AC3E}">
+        <p14:creationId xmlns:p14="http://schemas.microsoft.com/office/powerpoint/2010/main" val="2322823152"/>
       </p:ext>
     </p:extLst>
   </p:cSld>
@@ -9028,4 +10354,47 @@
     </a:ext>
   </a:extLst>
 </a:theme>
+</file>
+
+<file path=ppt/theme/themeOverride1.xml><?xml version="1.0" encoding="utf-8"?>
+<a:themeOverride xmlns:a="http://schemas.openxmlformats.org/drawingml/2006/main">
+  <a:clrScheme name="Office">
+    <a:dk1>
+      <a:sysClr val="windowText" lastClr="000000"/>
+    </a:dk1>
+    <a:lt1>
+      <a:sysClr val="window" lastClr="FFFFFF"/>
+    </a:lt1>
+    <a:dk2>
+      <a:srgbClr val="44546A"/>
+    </a:dk2>
+    <a:lt2>
+      <a:srgbClr val="E7E6E6"/>
+    </a:lt2>
+    <a:accent1>
+      <a:srgbClr val="4472C4"/>
+    </a:accent1>
+    <a:accent2>
+      <a:srgbClr val="ED7D31"/>
+    </a:accent2>
+    <a:accent3>
+      <a:srgbClr val="A5A5A5"/>
+    </a:accent3>
+    <a:accent4>
+      <a:srgbClr val="FFC000"/>
+    </a:accent4>
+    <a:accent5>
+      <a:srgbClr val="5B9BD5"/>
+    </a:accent5>
+    <a:accent6>
+      <a:srgbClr val="70AD47"/>
+    </a:accent6>
+    <a:hlink>
+      <a:srgbClr val="0563C1"/>
+    </a:hlink>
+    <a:folHlink>
+      <a:srgbClr val="954F72"/>
+    </a:folHlink>
+  </a:clrScheme>
+</a:themeOverride>
 </file>
--- a/M104020014周紘樟_ITR_HW2.pptx
+++ b/M104020014周紘樟_ITR_HW2.pptx
@@ -213,7 +213,7 @@
           <a:p>
             <a:fld id="{E9C7C8D6-8378-491C-A88C-F5C0F1DDB3DF}" type="datetimeFigureOut">
               <a:rPr lang="zh-CN" altLang="en-US" smtClean="0"/>
-              <a:t>2022/5/24</a:t>
+              <a:t>2022/5/27</a:t>
             </a:fld>
             <a:endParaRPr lang="zh-CN" altLang="en-US"/>
           </a:p>
@@ -1047,7 +1047,7 @@
           <a:p>
             <a:fld id="{EE4C556E-D11A-48D7-81C0-B1B5323EC136}" type="datetimeFigureOut">
               <a:rPr lang="zh-CN" altLang="en-US" smtClean="0"/>
-              <a:t>2022/5/24</a:t>
+              <a:t>2022/5/27</a:t>
             </a:fld>
             <a:endParaRPr lang="zh-CN" altLang="en-US"/>
           </a:p>
@@ -1335,7 +1335,7 @@
           <a:p>
             <a:fld id="{EE4C556E-D11A-48D7-81C0-B1B5323EC136}" type="datetimeFigureOut">
               <a:rPr lang="zh-CN" altLang="en-US" smtClean="0"/>
-              <a:t>2022/5/24</a:t>
+              <a:t>2022/5/27</a:t>
             </a:fld>
             <a:endParaRPr lang="zh-CN" altLang="en-US"/>
           </a:p>
@@ -1533,7 +1533,7 @@
           <a:p>
             <a:fld id="{EE4C556E-D11A-48D7-81C0-B1B5323EC136}" type="datetimeFigureOut">
               <a:rPr lang="zh-CN" altLang="en-US" smtClean="0"/>
-              <a:t>2022/5/24</a:t>
+              <a:t>2022/5/27</a:t>
             </a:fld>
             <a:endParaRPr lang="zh-CN" altLang="en-US"/>
           </a:p>
@@ -1741,7 +1741,7 @@
           <a:p>
             <a:fld id="{EE4C556E-D11A-48D7-81C0-B1B5323EC136}" type="datetimeFigureOut">
               <a:rPr lang="zh-CN" altLang="en-US" smtClean="0"/>
-              <a:t>2022/5/24</a:t>
+              <a:t>2022/5/27</a:t>
             </a:fld>
             <a:endParaRPr lang="zh-CN" altLang="en-US"/>
           </a:p>
@@ -1950,7 +1950,7 @@
                 </a:solidFill>
               </a:rPr>
               <a:pPr/>
-              <a:t>2022/5/24</a:t>
+              <a:t>2022/5/27</a:t>
             </a:fld>
             <a:endParaRPr lang="zh-CN" altLang="en-US">
               <a:solidFill>
@@ -2180,7 +2180,7 @@
                 </a:solidFill>
               </a:rPr>
               <a:pPr/>
-              <a:t>2022/5/24</a:t>
+              <a:t>2022/5/27</a:t>
             </a:fld>
             <a:endParaRPr lang="zh-CN" altLang="en-US">
               <a:solidFill>
@@ -2429,7 +2429,7 @@
           <a:p>
             <a:fld id="{EE4C556E-D11A-48D7-81C0-B1B5323EC136}" type="datetimeFigureOut">
               <a:rPr lang="zh-CN" altLang="en-US" smtClean="0"/>
-              <a:t>2022/5/24</a:t>
+              <a:t>2022/5/27</a:t>
             </a:fld>
             <a:endParaRPr lang="zh-CN" altLang="en-US"/>
           </a:p>
@@ -2704,7 +2704,7 @@
           <a:p>
             <a:fld id="{EE4C556E-D11A-48D7-81C0-B1B5323EC136}" type="datetimeFigureOut">
               <a:rPr lang="zh-CN" altLang="en-US" smtClean="0"/>
-              <a:t>2022/5/24</a:t>
+              <a:t>2022/5/27</a:t>
             </a:fld>
             <a:endParaRPr lang="zh-CN" altLang="en-US"/>
           </a:p>
@@ -2969,7 +2969,7 @@
           <a:p>
             <a:fld id="{EE4C556E-D11A-48D7-81C0-B1B5323EC136}" type="datetimeFigureOut">
               <a:rPr lang="zh-CN" altLang="en-US" smtClean="0"/>
-              <a:t>2022/5/24</a:t>
+              <a:t>2022/5/27</a:t>
             </a:fld>
             <a:endParaRPr lang="zh-CN" altLang="en-US"/>
           </a:p>
@@ -3381,7 +3381,7 @@
           <a:p>
             <a:fld id="{EE4C556E-D11A-48D7-81C0-B1B5323EC136}" type="datetimeFigureOut">
               <a:rPr lang="zh-CN" altLang="en-US" smtClean="0"/>
-              <a:t>2022/5/24</a:t>
+              <a:t>2022/5/27</a:t>
             </a:fld>
             <a:endParaRPr lang="zh-CN" altLang="en-US"/>
           </a:p>
@@ -3793,7 +3793,7 @@
           <a:p>
             <a:fld id="{EE4C556E-D11A-48D7-81C0-B1B5323EC136}" type="datetimeFigureOut">
               <a:rPr lang="zh-CN" altLang="en-US" smtClean="0"/>
-              <a:t>2022/5/24</a:t>
+              <a:t>2022/5/27</a:t>
             </a:fld>
             <a:endParaRPr lang="zh-CN" altLang="en-US"/>
           </a:p>
@@ -4059,7 +4059,7 @@
           <a:p>
             <a:fld id="{EE4C556E-D11A-48D7-81C0-B1B5323EC136}" type="datetimeFigureOut">
               <a:rPr lang="zh-CN" altLang="en-US" smtClean="0"/>
-              <a:t>2022/5/24</a:t>
+              <a:t>2022/5/27</a:t>
             </a:fld>
             <a:endParaRPr lang="zh-CN" altLang="en-US"/>
           </a:p>
@@ -4172,7 +4172,7 @@
           <a:p>
             <a:fld id="{EE4C556E-D11A-48D7-81C0-B1B5323EC136}" type="datetimeFigureOut">
               <a:rPr lang="zh-CN" altLang="en-US" smtClean="0"/>
-              <a:t>2022/5/24</a:t>
+              <a:t>2022/5/27</a:t>
             </a:fld>
             <a:endParaRPr lang="zh-CN" altLang="en-US"/>
           </a:p>
@@ -4483,7 +4483,7 @@
           <a:p>
             <a:fld id="{EE4C556E-D11A-48D7-81C0-B1B5323EC136}" type="datetimeFigureOut">
               <a:rPr lang="zh-CN" altLang="en-US" smtClean="0"/>
-              <a:t>2022/5/24</a:t>
+              <a:t>2022/5/27</a:t>
             </a:fld>
             <a:endParaRPr lang="zh-CN" altLang="en-US"/>
           </a:p>
@@ -4734,7 +4734,7 @@
           <a:p>
             <a:fld id="{EE4C556E-D11A-48D7-81C0-B1B5323EC136}" type="datetimeFigureOut">
               <a:rPr lang="zh-CN" altLang="en-US" smtClean="0"/>
-              <a:t>2022/5/24</a:t>
+              <a:t>2022/5/27</a:t>
             </a:fld>
             <a:endParaRPr lang="zh-CN" altLang="en-US"/>
           </a:p>
@@ -9053,7 +9053,52 @@
                     <a:cs typeface="+mn-ea"/>
                     <a:sym typeface="+mn-lt"/>
                   </a:rPr>
-                  <a:t>Preference simulation process due to nested for loop : </a:t>
+                  <a:t>Preference simulation process</a:t>
+                </a:r>
+                <a:r>
+                  <a:rPr lang="zh-TW" altLang="en-US" sz="1400" noProof="1">
+                    <a:solidFill>
+                      <a:schemeClr val="tx1">
+                        <a:lumMod val="75000"/>
+                        <a:lumOff val="25000"/>
+                      </a:schemeClr>
+                    </a:solidFill>
+                    <a:latin typeface="Fira Code Retina" panose="020B0809050000020004" pitchFamily="49" charset="0"/>
+                    <a:ea typeface="Fira Code Retina" panose="020B0809050000020004" pitchFamily="49" charset="0"/>
+                    <a:cs typeface="+mn-ea"/>
+                    <a:sym typeface="+mn-lt"/>
+                  </a:rPr>
+                  <a:t> </a:t>
+                </a:r>
+                <a:r>
+                  <a:rPr lang="en-US" altLang="zh-TW" sz="1400" noProof="1">
+                    <a:solidFill>
+                      <a:schemeClr val="tx1">
+                        <a:lumMod val="75000"/>
+                        <a:lumOff val="25000"/>
+                      </a:schemeClr>
+                    </a:solidFill>
+                    <a:latin typeface="Fira Code Retina" panose="020B0809050000020004" pitchFamily="49" charset="0"/>
+                    <a:ea typeface="Fira Code Retina" panose="020B0809050000020004" pitchFamily="49" charset="0"/>
+                    <a:cs typeface="+mn-ea"/>
+                    <a:sym typeface="+mn-lt"/>
+                  </a:rPr>
+                  <a:t>by nested for loop</a:t>
+                </a:r>
+                <a:r>
+                  <a:rPr lang="en-US" sz="1400" noProof="1">
+                    <a:solidFill>
+                      <a:schemeClr val="tx1">
+                        <a:lumMod val="75000"/>
+                        <a:lumOff val="25000"/>
+                      </a:schemeClr>
+                    </a:solidFill>
+                    <a:latin typeface="Fira Code Retina" panose="020B0809050000020004" pitchFamily="49" charset="0"/>
+                    <a:ea typeface="Fira Code Retina" panose="020B0809050000020004" pitchFamily="49" charset="0"/>
+                    <a:cs typeface="+mn-ea"/>
+                    <a:sym typeface="+mn-lt"/>
+                  </a:rPr>
+                  <a:t>: </a:t>
                 </a:r>
                 <a:endParaRPr lang="en-US" sz="1400" b="1" i="1" noProof="1">
                   <a:solidFill>
@@ -9105,7 +9150,7 @@
                             <a:lumOff val="25000"/>
                           </a:schemeClr>
                         </a:solidFill>
-                        <a:latin typeface="Fira Code Retina" panose="020B0809050000020004" pitchFamily="49" charset="0"/>
+                        <a:latin typeface="Cambria Math" panose="02040503050406030204" pitchFamily="18" charset="0"/>
                         <a:ea typeface="Fira Code Retina" panose="020B0809050000020004" pitchFamily="49" charset="0"/>
                         <a:cs typeface="+mn-ea"/>
                         <a:sym typeface="+mn-lt"/>
@@ -9120,7 +9165,7 @@
                             <a:lumOff val="25000"/>
                           </a:schemeClr>
                         </a:solidFill>
-                        <a:latin typeface="Fira Code Retina" panose="020B0809050000020004" pitchFamily="49" charset="0"/>
+                        <a:latin typeface="Cambria Math" panose="02040503050406030204" pitchFamily="18" charset="0"/>
                         <a:ea typeface="Fira Code Retina" panose="020B0809050000020004" pitchFamily="49" charset="0"/>
                         <a:cs typeface="+mn-ea"/>
                         <a:sym typeface="+mn-lt"/>
@@ -9130,14 +9175,14 @@
                     <m:sSup>
                       <m:sSupPr>
                         <m:ctrlPr>
-                          <a:rPr lang="en-US" altLang="zh-TW" sz="1400" b="1" noProof="1">
+                          <a:rPr lang="en-US" altLang="zh-TW" sz="1400" b="1" i="1" noProof="1">
                             <a:solidFill>
                               <a:schemeClr val="tx1">
                                 <a:lumMod val="75000"/>
                                 <a:lumOff val="25000"/>
                               </a:schemeClr>
                             </a:solidFill>
-                            <a:latin typeface="Fira Code Retina" panose="020B0809050000020004" pitchFamily="49" charset="0"/>
+                            <a:latin typeface="Cambria Math" panose="02040503050406030204" pitchFamily="18" charset="0"/>
                             <a:ea typeface="Fira Code Retina" panose="020B0809050000020004" pitchFamily="49" charset="0"/>
                             <a:cs typeface="+mn-ea"/>
                             <a:sym typeface="+mn-lt"/>
@@ -9153,7 +9198,7 @@
                                 <a:lumOff val="25000"/>
                               </a:schemeClr>
                             </a:solidFill>
-                            <a:latin typeface="Fira Code Retina" panose="020B0809050000020004" pitchFamily="49" charset="0"/>
+                            <a:latin typeface="Cambria Math" panose="02040503050406030204" pitchFamily="18" charset="0"/>
                             <a:ea typeface="Fira Code Retina" panose="020B0809050000020004" pitchFamily="49" charset="0"/>
                             <a:cs typeface="+mn-ea"/>
                             <a:sym typeface="+mn-lt"/>
@@ -9170,7 +9215,7 @@
                                 <a:lumOff val="25000"/>
                               </a:schemeClr>
                             </a:solidFill>
-                            <a:latin typeface="Fira Code Retina" panose="020B0809050000020004" pitchFamily="49" charset="0"/>
+                            <a:latin typeface="Cambria Math" panose="02040503050406030204" pitchFamily="18" charset="0"/>
                             <a:ea typeface="Fira Code Retina" panose="020B0809050000020004" pitchFamily="49" charset="0"/>
                             <a:cs typeface="+mn-ea"/>
                             <a:sym typeface="+mn-lt"/>
@@ -9187,7 +9232,7 @@
                             <a:lumOff val="25000"/>
                           </a:schemeClr>
                         </a:solidFill>
-                        <a:latin typeface="Fira Code Retina" panose="020B0809050000020004" pitchFamily="49" charset="0"/>
+                        <a:latin typeface="Cambria Math" panose="02040503050406030204" pitchFamily="18" charset="0"/>
                         <a:ea typeface="Fira Code Retina" panose="020B0809050000020004" pitchFamily="49" charset="0"/>
                         <a:cs typeface="+mn-ea"/>
                         <a:sym typeface="+mn-lt"/>
@@ -9250,7 +9295,7 @@
                     <a:cs typeface="+mn-ea"/>
                     <a:sym typeface="+mn-lt"/>
                   </a:rPr>
-                  <a:t>Time Complexity for the code </a:t>
+                  <a:t>Space Complexity for the code </a:t>
                 </a:r>
               </a:p>
               <a:p>
@@ -9320,7 +9365,7 @@
                             <a:lumOff val="25000"/>
                           </a:schemeClr>
                         </a:solidFill>
-                        <a:latin typeface="Fira Code Retina" panose="020B0809050000020004" pitchFamily="49" charset="0"/>
+                        <a:latin typeface="Cambria Math" panose="02040503050406030204" pitchFamily="18" charset="0"/>
                         <a:ea typeface="Fira Code Retina" panose="020B0809050000020004" pitchFamily="49" charset="0"/>
                         <a:cs typeface="+mn-ea"/>
                         <a:sym typeface="+mn-lt"/>
@@ -9335,7 +9380,7 @@
                             <a:lumOff val="25000"/>
                           </a:schemeClr>
                         </a:solidFill>
-                        <a:latin typeface="Fira Code Retina" panose="020B0809050000020004" pitchFamily="49" charset="0"/>
+                        <a:latin typeface="Cambria Math" panose="02040503050406030204" pitchFamily="18" charset="0"/>
                         <a:ea typeface="Fira Code Retina" panose="020B0809050000020004" pitchFamily="49" charset="0"/>
                         <a:cs typeface="+mn-ea"/>
                         <a:sym typeface="+mn-lt"/>
@@ -9350,7 +9395,7 @@
                             <a:lumOff val="25000"/>
                           </a:schemeClr>
                         </a:solidFill>
-                        <a:latin typeface="Fira Code Retina" panose="020B0809050000020004" pitchFamily="49" charset="0"/>
+                        <a:latin typeface="Cambria Math" panose="02040503050406030204" pitchFamily="18" charset="0"/>
                         <a:ea typeface="Fira Code Retina" panose="020B0809050000020004" pitchFamily="49" charset="0"/>
                         <a:cs typeface="+mn-ea"/>
                         <a:sym typeface="+mn-lt"/>
@@ -9365,7 +9410,7 @@
                             <a:lumOff val="25000"/>
                           </a:schemeClr>
                         </a:solidFill>
-                        <a:latin typeface="Fira Code Retina" panose="020B0809050000020004" pitchFamily="49" charset="0"/>
+                        <a:latin typeface="Cambria Math" panose="02040503050406030204" pitchFamily="18" charset="0"/>
                         <a:ea typeface="Fira Code Retina" panose="020B0809050000020004" pitchFamily="49" charset="0"/>
                         <a:cs typeface="+mn-ea"/>
                         <a:sym typeface="+mn-lt"/>
